--- a/Lectures/midterm.pptx
+++ b/Lectures/midterm.pptx
@@ -204,7 +204,7 @@
           <a:p>
             <a:fld id="{2736D85D-8AD2-3E48-9003-FE0FC165286A}" type="datetimeFigureOut">
               <a:rPr lang="en-US" smtClean="0"/>
-              <a:t>10/14/18</a:t>
+              <a:t>10/16/18</a:t>
             </a:fld>
             <a:endParaRPr lang="en-US"/>
           </a:p>
@@ -685,7 +685,7 @@
           <a:p>
             <a:fld id="{148AABE3-47AE-A149-AEA4-134D3C3D3CE7}" type="datetime1">
               <a:rPr lang="en-US" smtClean="0"/>
-              <a:t>10/14/18</a:t>
+              <a:t>10/16/18</a:t>
             </a:fld>
             <a:endParaRPr lang="en-US"/>
           </a:p>
@@ -858,7 +858,7 @@
           <a:p>
             <a:fld id="{1DC1D881-628B-CA47-AD3C-F7C3A718A731}" type="datetime1">
               <a:rPr lang="en-US" smtClean="0"/>
-              <a:t>10/14/18</a:t>
+              <a:t>10/16/18</a:t>
             </a:fld>
             <a:endParaRPr lang="en-US"/>
           </a:p>
@@ -1041,7 +1041,7 @@
           <a:p>
             <a:fld id="{BEF220BF-7D43-804E-B6E6-1E0091021B45}" type="datetime1">
               <a:rPr lang="en-US" smtClean="0"/>
-              <a:t>10/14/18</a:t>
+              <a:t>10/16/18</a:t>
             </a:fld>
             <a:endParaRPr lang="en-US"/>
           </a:p>
@@ -1218,7 +1218,7 @@
           <a:p>
             <a:fld id="{A77FFE00-73A9-C447-A3CC-12B0EE6111BC}" type="datetime1">
               <a:rPr lang="en-US" smtClean="0"/>
-              <a:t>10/14/18</a:t>
+              <a:t>10/16/18</a:t>
             </a:fld>
             <a:endParaRPr lang="en-US"/>
           </a:p>
@@ -1465,7 +1465,7 @@
           <a:p>
             <a:fld id="{DC5F729E-4055-A647-B338-259A5FFE5DBC}" type="datetime1">
               <a:rPr lang="en-US" smtClean="0"/>
-              <a:t>10/14/18</a:t>
+              <a:t>10/16/18</a:t>
             </a:fld>
             <a:endParaRPr lang="en-US"/>
           </a:p>
@@ -1705,7 +1705,7 @@
           <a:p>
             <a:fld id="{3EDCACD4-B18A-5D4D-9995-1A1D211D6ED9}" type="datetime1">
               <a:rPr lang="en-US" smtClean="0"/>
-              <a:t>10/14/18</a:t>
+              <a:t>10/16/18</a:t>
             </a:fld>
             <a:endParaRPr lang="en-US"/>
           </a:p>
@@ -2075,7 +2075,7 @@
           <a:p>
             <a:fld id="{43A8CFFB-F33A-7C4C-887C-4736016802EB}" type="datetime1">
               <a:rPr lang="en-US" smtClean="0"/>
-              <a:t>10/14/18</a:t>
+              <a:t>10/16/18</a:t>
             </a:fld>
             <a:endParaRPr lang="en-US"/>
           </a:p>
@@ -2196,7 +2196,7 @@
           <a:p>
             <a:fld id="{CE0B1B15-A4C4-B649-B4CA-6BDE514E9680}" type="datetime1">
               <a:rPr lang="en-US" smtClean="0"/>
-              <a:t>10/14/18</a:t>
+              <a:t>10/16/18</a:t>
             </a:fld>
             <a:endParaRPr lang="en-US"/>
           </a:p>
@@ -2294,7 +2294,7 @@
           <a:p>
             <a:fld id="{2EFE2E7F-F6EC-A34E-A3E4-0D0B0F9001C4}" type="datetime1">
               <a:rPr lang="en-US" smtClean="0"/>
-              <a:t>10/14/18</a:t>
+              <a:t>10/16/18</a:t>
             </a:fld>
             <a:endParaRPr lang="en-US"/>
           </a:p>
@@ -2574,7 +2574,7 @@
           <a:p>
             <a:fld id="{348036D7-8CC2-FA48-AA4B-B858DBF4CCD4}" type="datetime1">
               <a:rPr lang="en-US" smtClean="0"/>
-              <a:t>10/14/18</a:t>
+              <a:t>10/16/18</a:t>
             </a:fld>
             <a:endParaRPr lang="en-US"/>
           </a:p>
@@ -2834,7 +2834,7 @@
           <a:p>
             <a:fld id="{2B85E210-8488-C145-9C6E-CAD18AF6BA2D}" type="datetime1">
               <a:rPr lang="en-US" smtClean="0"/>
-              <a:t>10/14/18</a:t>
+              <a:t>10/16/18</a:t>
             </a:fld>
             <a:endParaRPr lang="en-US"/>
           </a:p>
@@ -3050,7 +3050,7 @@
           <a:p>
             <a:fld id="{AB196A6C-7E83-8940-AA75-A5A91E438B3F}" type="datetime1">
               <a:rPr lang="en-US" smtClean="0"/>
-              <a:t>10/14/18</a:t>
+              <a:t>10/16/18</a:t>
             </a:fld>
             <a:endParaRPr lang="en-US"/>
           </a:p>
@@ -3464,7 +3464,7 @@
           <p:cNvPr id="2" name="Title 1">
             <a:extLst>
               <a:ext uri="{FF2B5EF4-FFF2-40B4-BE49-F238E27FC236}">
-                <a16:creationId xmlns="" xmlns:a16="http://schemas.microsoft.com/office/drawing/2014/main" id="{0E956A24-C190-3747-B8CD-1F8673245EDF}"/>
+                <a16:creationId xmlns:a16="http://schemas.microsoft.com/office/drawing/2014/main" id="{0E956A24-C190-3747-B8CD-1F8673245EDF}"/>
               </a:ext>
             </a:extLst>
           </p:cNvPr>
@@ -3526,7 +3526,7 @@
           <p:cNvPr id="3" name="Subtitle 2">
             <a:extLst>
               <a:ext uri="{FF2B5EF4-FFF2-40B4-BE49-F238E27FC236}">
-                <a16:creationId xmlns="" xmlns:a16="http://schemas.microsoft.com/office/drawing/2014/main" id="{09A3EF78-0BCF-F24C-835B-DDDA774EA0B6}"/>
+                <a16:creationId xmlns:a16="http://schemas.microsoft.com/office/drawing/2014/main" id="{09A3EF78-0BCF-F24C-835B-DDDA774EA0B6}"/>
               </a:ext>
             </a:extLst>
           </p:cNvPr>
@@ -3543,15 +3543,15 @@
           <a:lstStyle/>
           <a:p>
             <a:r>
-              <a:rPr lang="en-US" altLang="zh-CN" dirty="0" smtClean="0"/>
+              <a:rPr lang="en-US" altLang="zh-CN" dirty="0"/>
               <a:t>About</a:t>
             </a:r>
             <a:r>
-              <a:rPr lang="zh-CN" altLang="en-US" dirty="0" smtClean="0"/>
-              <a:t> </a:t>
-            </a:r>
-            <a:r>
-              <a:rPr lang="en-US" altLang="zh-CN" dirty="0" smtClean="0"/>
+              <a:rPr lang="zh-CN" altLang="en-US" dirty="0"/>
+              <a:t> </a:t>
+            </a:r>
+            <a:r>
+              <a:rPr lang="en-US" altLang="zh-CN" dirty="0"/>
               <a:t>Midterm</a:t>
             </a:r>
             <a:endParaRPr lang="en-US" dirty="0"/>
@@ -3563,7 +3563,7 @@
           <p:cNvPr id="4" name="Slide Number Placeholder 3">
             <a:extLst>
               <a:ext uri="{FF2B5EF4-FFF2-40B4-BE49-F238E27FC236}">
-                <a16:creationId xmlns="" xmlns:a16="http://schemas.microsoft.com/office/drawing/2014/main" id="{8CF9297D-5A48-924F-A10F-D761D37F79D0}"/>
+                <a16:creationId xmlns:a16="http://schemas.microsoft.com/office/drawing/2014/main" id="{8CF9297D-5A48-924F-A10F-D761D37F79D0}"/>
               </a:ext>
             </a:extLst>
           </p:cNvPr>
@@ -3597,13 +3597,6 @@
   <p:clrMapOvr>
     <a:masterClrMapping/>
   </p:clrMapOvr>
-  <p:timing>
-    <p:tnLst>
-      <p:par>
-        <p:cTn id="1" dur="indefinite" restart="never" nodeType="tmRoot"/>
-      </p:par>
-    </p:tnLst>
-  </p:timing>
 </p:sld>
 </file>
 
@@ -3640,15 +3633,15 @@
           <a:lstStyle/>
           <a:p>
             <a:r>
-              <a:rPr lang="en-US" altLang="zh-CN" dirty="0" smtClean="0"/>
+              <a:rPr lang="en-US" altLang="zh-CN" dirty="0"/>
               <a:t>Midterm</a:t>
             </a:r>
             <a:r>
-              <a:rPr lang="zh-CN" altLang="en-US" dirty="0" smtClean="0"/>
-              <a:t> </a:t>
-            </a:r>
-            <a:r>
-              <a:rPr lang="en-US" altLang="zh-CN" dirty="0" smtClean="0"/>
+              <a:rPr lang="zh-CN" altLang="en-US" dirty="0"/>
+              <a:t> </a:t>
+            </a:r>
+            <a:r>
+              <a:rPr lang="en-US" altLang="zh-CN" dirty="0"/>
               <a:t>Coverage</a:t>
             </a:r>
             <a:endParaRPr lang="en-US" dirty="0"/>
@@ -3682,37 +3675,37 @@
               <a:buAutoNum type="arabicPeriod"/>
             </a:pPr>
             <a:r>
-              <a:rPr lang="en-US" altLang="zh-CN" dirty="0" smtClean="0"/>
+              <a:rPr lang="en-US" altLang="zh-CN" dirty="0"/>
               <a:t>Database</a:t>
             </a:r>
             <a:r>
-              <a:rPr lang="zh-CN" altLang="en-US" dirty="0" smtClean="0"/>
-              <a:t> </a:t>
-            </a:r>
-            <a:r>
-              <a:rPr lang="en-US" altLang="zh-CN" dirty="0" smtClean="0"/>
+              <a:rPr lang="zh-CN" altLang="en-US" dirty="0"/>
+              <a:t> </a:t>
+            </a:r>
+            <a:r>
+              <a:rPr lang="en-US" altLang="zh-CN" dirty="0"/>
               <a:t>History</a:t>
             </a:r>
             <a:r>
-              <a:rPr lang="zh-CN" altLang="en-US" dirty="0" smtClean="0"/>
-              <a:t> </a:t>
-            </a:r>
-            <a:r>
-              <a:rPr lang="en-US" altLang="zh-CN" dirty="0" smtClean="0"/>
+              <a:rPr lang="zh-CN" altLang="en-US" dirty="0"/>
+              <a:t> </a:t>
+            </a:r>
+            <a:r>
+              <a:rPr lang="en-US" altLang="zh-CN" dirty="0"/>
               <a:t>(10%)</a:t>
             </a:r>
             <a:r>
-              <a:rPr lang="zh-CN" altLang="en-US" dirty="0" smtClean="0"/>
+              <a:rPr lang="zh-CN" altLang="en-US" dirty="0"/>
               <a:t>  </a:t>
             </a:r>
-            <a:endParaRPr lang="en-US" altLang="zh-CN" dirty="0" smtClean="0"/>
+            <a:endParaRPr lang="en-US" altLang="zh-CN" dirty="0"/>
           </a:p>
           <a:p>
             <a:pPr marL="514350" indent="-514350">
               <a:buFont typeface="+mj-lt"/>
               <a:buAutoNum type="arabicPeriod"/>
             </a:pPr>
-            <a:endParaRPr lang="en-US" altLang="zh-CN" dirty="0" smtClean="0"/>
+            <a:endParaRPr lang="en-US" altLang="zh-CN" dirty="0"/>
           </a:p>
           <a:p>
             <a:pPr marL="514350" indent="-514350">
@@ -3720,23 +3713,23 @@
               <a:buAutoNum type="arabicPeriod"/>
             </a:pPr>
             <a:r>
-              <a:rPr lang="en-US" altLang="zh-CN" dirty="0" smtClean="0"/>
+              <a:rPr lang="en-US" altLang="zh-CN" dirty="0"/>
               <a:t>Relational</a:t>
             </a:r>
             <a:r>
-              <a:rPr lang="zh-CN" altLang="en-US" dirty="0" smtClean="0"/>
-              <a:t> </a:t>
-            </a:r>
-            <a:r>
-              <a:rPr lang="en-US" altLang="zh-CN" dirty="0" smtClean="0"/>
+              <a:rPr lang="zh-CN" altLang="en-US" dirty="0"/>
+              <a:t> </a:t>
+            </a:r>
+            <a:r>
+              <a:rPr lang="en-US" altLang="zh-CN" dirty="0"/>
               <a:t>Model</a:t>
             </a:r>
             <a:r>
-              <a:rPr lang="zh-CN" altLang="en-US" dirty="0" smtClean="0"/>
-              <a:t> </a:t>
-            </a:r>
-            <a:r>
-              <a:rPr lang="en-US" altLang="zh-CN" dirty="0" smtClean="0"/>
+              <a:rPr lang="zh-CN" altLang="en-US" dirty="0"/>
+              <a:t> </a:t>
+            </a:r>
+            <a:r>
+              <a:rPr lang="en-US" altLang="zh-CN" dirty="0"/>
               <a:t>(10%)</a:t>
             </a:r>
           </a:p>
@@ -3745,7 +3738,7 @@
               <a:buFont typeface="+mj-lt"/>
               <a:buAutoNum type="arabicPeriod"/>
             </a:pPr>
-            <a:endParaRPr lang="en-US" altLang="zh-CN" dirty="0" smtClean="0"/>
+            <a:endParaRPr lang="en-US" altLang="zh-CN" dirty="0"/>
           </a:p>
           <a:p>
             <a:pPr marL="514350" indent="-514350">
@@ -3753,15 +3746,15 @@
               <a:buAutoNum type="arabicPeriod"/>
             </a:pPr>
             <a:r>
-              <a:rPr lang="en-US" altLang="zh-CN" dirty="0" smtClean="0"/>
+              <a:rPr lang="en-US" altLang="zh-CN" dirty="0"/>
               <a:t>SQL</a:t>
             </a:r>
             <a:r>
-              <a:rPr lang="zh-CN" altLang="en-US" dirty="0" smtClean="0"/>
-              <a:t> </a:t>
-            </a:r>
-            <a:r>
-              <a:rPr lang="en-US" altLang="zh-CN" dirty="0" smtClean="0"/>
+              <a:rPr lang="zh-CN" altLang="en-US" dirty="0"/>
+              <a:t> </a:t>
+            </a:r>
+            <a:r>
+              <a:rPr lang="en-US" altLang="zh-CN" dirty="0"/>
               <a:t>(45%)</a:t>
             </a:r>
           </a:p>
@@ -3770,7 +3763,7 @@
               <a:buFont typeface="+mj-lt"/>
               <a:buAutoNum type="arabicPeriod"/>
             </a:pPr>
-            <a:endParaRPr lang="en-US" altLang="zh-CN" dirty="0" smtClean="0"/>
+            <a:endParaRPr lang="en-US" altLang="zh-CN" dirty="0"/>
           </a:p>
           <a:p>
             <a:pPr marL="514350" indent="-514350">
@@ -3778,23 +3771,23 @@
               <a:buAutoNum type="arabicPeriod"/>
             </a:pPr>
             <a:r>
-              <a:rPr lang="en-US" altLang="zh-CN" dirty="0" smtClean="0"/>
+              <a:rPr lang="en-US" altLang="zh-CN" dirty="0"/>
               <a:t>Relational</a:t>
             </a:r>
             <a:r>
-              <a:rPr lang="zh-CN" altLang="en-US" dirty="0" smtClean="0"/>
-              <a:t> </a:t>
-            </a:r>
-            <a:r>
-              <a:rPr lang="en-US" altLang="zh-CN" dirty="0" smtClean="0"/>
+              <a:rPr lang="zh-CN" altLang="en-US" dirty="0"/>
+              <a:t> </a:t>
+            </a:r>
+            <a:r>
+              <a:rPr lang="en-US" altLang="zh-CN" dirty="0"/>
               <a:t>Algebra</a:t>
             </a:r>
             <a:r>
-              <a:rPr lang="zh-CN" altLang="en-US" dirty="0" smtClean="0"/>
-              <a:t> </a:t>
-            </a:r>
-            <a:r>
-              <a:rPr lang="en-US" altLang="zh-CN" dirty="0" smtClean="0"/>
+              <a:rPr lang="zh-CN" altLang="en-US" dirty="0"/>
+              <a:t> </a:t>
+            </a:r>
+            <a:r>
+              <a:rPr lang="en-US" altLang="zh-CN" dirty="0"/>
               <a:t>(25%)</a:t>
             </a:r>
           </a:p>
@@ -3803,7 +3796,7 @@
               <a:buFont typeface="+mj-lt"/>
               <a:buAutoNum type="arabicPeriod"/>
             </a:pPr>
-            <a:endParaRPr lang="en-US" altLang="zh-CN" dirty="0" smtClean="0"/>
+            <a:endParaRPr lang="en-US" altLang="zh-CN" dirty="0"/>
           </a:p>
           <a:p>
             <a:pPr marL="514350" indent="-514350">
@@ -3811,43 +3804,43 @@
               <a:buAutoNum type="arabicPeriod"/>
             </a:pPr>
             <a:r>
-              <a:rPr lang="en-US" altLang="zh-CN" dirty="0" smtClean="0"/>
+              <a:rPr lang="en-US" altLang="zh-CN" dirty="0"/>
               <a:t>Query</a:t>
             </a:r>
             <a:r>
-              <a:rPr lang="zh-CN" altLang="en-US" dirty="0" smtClean="0"/>
-              <a:t> </a:t>
-            </a:r>
-            <a:r>
-              <a:rPr lang="en-US" altLang="zh-CN" dirty="0" smtClean="0"/>
+              <a:rPr lang="zh-CN" altLang="en-US" dirty="0"/>
+              <a:t> </a:t>
+            </a:r>
+            <a:r>
+              <a:rPr lang="en-US" altLang="zh-CN" dirty="0"/>
               <a:t>Processing</a:t>
             </a:r>
             <a:r>
-              <a:rPr lang="zh-CN" altLang="en-US" dirty="0" smtClean="0"/>
-              <a:t> </a:t>
-            </a:r>
-            <a:r>
-              <a:rPr lang="en-US" altLang="zh-CN" dirty="0" smtClean="0"/>
+              <a:rPr lang="zh-CN" altLang="en-US" dirty="0"/>
+              <a:t> </a:t>
+            </a:r>
+            <a:r>
+              <a:rPr lang="en-US" altLang="zh-CN" dirty="0"/>
               <a:t>and</a:t>
             </a:r>
             <a:r>
-              <a:rPr lang="zh-CN" altLang="en-US" dirty="0" smtClean="0"/>
-              <a:t> </a:t>
-            </a:r>
-            <a:r>
-              <a:rPr lang="en-US" altLang="zh-CN" dirty="0" smtClean="0"/>
+              <a:rPr lang="zh-CN" altLang="en-US" dirty="0"/>
+              <a:t> </a:t>
+            </a:r>
+            <a:r>
+              <a:rPr lang="en-US" altLang="zh-CN" dirty="0"/>
               <a:t>Indexing</a:t>
             </a:r>
             <a:r>
-              <a:rPr lang="zh-CN" altLang="en-US" dirty="0" smtClean="0"/>
-              <a:t> </a:t>
-            </a:r>
-            <a:r>
-              <a:rPr lang="en-US" altLang="zh-CN" dirty="0" smtClean="0"/>
+              <a:rPr lang="zh-CN" altLang="en-US" dirty="0"/>
+              <a:t> </a:t>
+            </a:r>
+            <a:r>
+              <a:rPr lang="en-US" altLang="zh-CN" dirty="0"/>
               <a:t>(10%)</a:t>
             </a:r>
             <a:r>
-              <a:rPr lang="zh-CN" altLang="en-US" dirty="0" smtClean="0"/>
+              <a:rPr lang="zh-CN" altLang="en-US" dirty="0"/>
               <a:t> </a:t>
             </a:r>
             <a:endParaRPr lang="en-US" dirty="0"/>
@@ -4287,23 +4280,23 @@
           <a:lstStyle/>
           <a:p>
             <a:r>
-              <a:rPr lang="en-US" altLang="zh-CN" dirty="0" smtClean="0"/>
+              <a:rPr lang="en-US" altLang="zh-CN" dirty="0"/>
               <a:t>Database</a:t>
             </a:r>
             <a:r>
-              <a:rPr lang="zh-CN" altLang="en-US" dirty="0" smtClean="0"/>
-              <a:t> </a:t>
-            </a:r>
-            <a:r>
-              <a:rPr lang="en-US" altLang="zh-CN" dirty="0" smtClean="0"/>
+              <a:rPr lang="zh-CN" altLang="en-US" dirty="0"/>
+              <a:t> </a:t>
+            </a:r>
+            <a:r>
+              <a:rPr lang="en-US" altLang="zh-CN" dirty="0"/>
               <a:t>History</a:t>
             </a:r>
             <a:r>
-              <a:rPr lang="zh-CN" altLang="en-US" dirty="0" smtClean="0"/>
-              <a:t> </a:t>
-            </a:r>
-            <a:r>
-              <a:rPr lang="en-US" altLang="zh-CN" dirty="0" smtClean="0"/>
+              <a:rPr lang="zh-CN" altLang="en-US" dirty="0"/>
+              <a:t> </a:t>
+            </a:r>
+            <a:r>
+              <a:rPr lang="en-US" altLang="zh-CN" dirty="0"/>
               <a:t>(10%)</a:t>
             </a:r>
             <a:endParaRPr lang="en-US" dirty="0"/>
@@ -4326,99 +4319,90 @@
           <a:lstStyle/>
           <a:p>
             <a:r>
-              <a:rPr lang="en-US" altLang="zh-CN" dirty="0" smtClean="0"/>
+              <a:rPr lang="en-US" altLang="zh-CN" dirty="0"/>
               <a:t>You</a:t>
             </a:r>
             <a:r>
-              <a:rPr lang="zh-CN" altLang="en-US" dirty="0" smtClean="0"/>
-              <a:t> </a:t>
-            </a:r>
-            <a:r>
-              <a:rPr lang="en-US" altLang="zh-CN" dirty="0" smtClean="0"/>
+              <a:rPr lang="zh-CN" altLang="en-US" dirty="0"/>
+              <a:t> </a:t>
+            </a:r>
+            <a:r>
+              <a:rPr lang="en-US" altLang="zh-CN" dirty="0"/>
               <a:t>need</a:t>
             </a:r>
             <a:r>
-              <a:rPr lang="zh-CN" altLang="en-US" dirty="0" smtClean="0"/>
-              <a:t> </a:t>
-            </a:r>
-            <a:r>
-              <a:rPr lang="en-US" altLang="zh-CN" dirty="0" smtClean="0"/>
+              <a:rPr lang="zh-CN" altLang="en-US" dirty="0"/>
+              <a:t> </a:t>
+            </a:r>
+            <a:r>
+              <a:rPr lang="en-US" altLang="zh-CN" dirty="0"/>
               <a:t>to</a:t>
             </a:r>
             <a:r>
-              <a:rPr lang="zh-CN" altLang="en-US" dirty="0" smtClean="0"/>
-              <a:t> </a:t>
-            </a:r>
-            <a:r>
-              <a:rPr lang="en-US" altLang="zh-CN" b="1" dirty="0" smtClean="0"/>
+              <a:rPr lang="zh-CN" altLang="en-US" dirty="0"/>
+              <a:t> </a:t>
+            </a:r>
+            <a:r>
+              <a:rPr lang="en-US" altLang="zh-CN" b="1" dirty="0"/>
               <a:t>understand</a:t>
             </a:r>
           </a:p>
           <a:p>
             <a:pPr lvl="1"/>
             <a:r>
-              <a:rPr lang="en-US" altLang="zh-CN" dirty="0" smtClean="0"/>
+              <a:rPr lang="en-US" altLang="zh-CN" dirty="0"/>
               <a:t>Why</a:t>
             </a:r>
             <a:r>
-              <a:rPr lang="zh-CN" altLang="en-US" dirty="0" smtClean="0"/>
-              <a:t> </a:t>
-            </a:r>
-            <a:r>
-              <a:rPr lang="en-US" altLang="zh-CN" dirty="0" smtClean="0"/>
+              <a:rPr lang="zh-CN" altLang="en-US" dirty="0"/>
+              <a:t> </a:t>
+            </a:r>
+            <a:r>
+              <a:rPr lang="en-US" altLang="zh-CN" dirty="0"/>
               <a:t>Relational</a:t>
             </a:r>
             <a:r>
-              <a:rPr lang="zh-CN" altLang="en-US" dirty="0" smtClean="0"/>
-              <a:t> </a:t>
-            </a:r>
-            <a:r>
-              <a:rPr lang="en-US" altLang="zh-CN" dirty="0" smtClean="0"/>
+              <a:rPr lang="zh-CN" altLang="en-US" dirty="0"/>
+              <a:t> </a:t>
+            </a:r>
+            <a:r>
+              <a:rPr lang="en-US" altLang="zh-CN" dirty="0"/>
               <a:t>Model</a:t>
             </a:r>
-            <a:endParaRPr lang="en-US" altLang="zh-CN" dirty="0"/>
           </a:p>
           <a:p>
             <a:pPr lvl="1"/>
             <a:r>
-              <a:rPr lang="en-US" altLang="zh-CN" dirty="0" smtClean="0"/>
+              <a:rPr lang="en-US" altLang="zh-CN" dirty="0"/>
               <a:t>Why</a:t>
             </a:r>
             <a:r>
-              <a:rPr lang="zh-CN" altLang="en-US" dirty="0" smtClean="0"/>
-              <a:t> </a:t>
-            </a:r>
-            <a:r>
-              <a:rPr lang="en-US" altLang="zh-CN" dirty="0" smtClean="0"/>
+              <a:rPr lang="zh-CN" altLang="en-US" dirty="0"/>
+              <a:t> </a:t>
+            </a:r>
+            <a:r>
+              <a:rPr lang="en-US" altLang="zh-CN" dirty="0"/>
               <a:t>MapReduce</a:t>
             </a:r>
           </a:p>
           <a:p>
             <a:pPr lvl="1"/>
             <a:r>
-              <a:rPr lang="en-US" altLang="zh-CN" dirty="0" smtClean="0"/>
+              <a:rPr lang="en-US" altLang="zh-CN" dirty="0"/>
               <a:t>Why</a:t>
             </a:r>
             <a:r>
-              <a:rPr lang="zh-CN" altLang="en-US" dirty="0" smtClean="0"/>
-              <a:t> </a:t>
-            </a:r>
-            <a:r>
-              <a:rPr lang="en-US" altLang="zh-CN" dirty="0" smtClean="0"/>
+              <a:rPr lang="zh-CN" altLang="en-US" dirty="0"/>
+              <a:t> </a:t>
+            </a:r>
+            <a:r>
+              <a:rPr lang="en-US" altLang="zh-CN" dirty="0"/>
               <a:t>NoSQL</a:t>
             </a:r>
           </a:p>
           <a:p>
-            <a:pPr lvl="1"/>
-            <a:endParaRPr lang="en-US" altLang="zh-CN" dirty="0"/>
-          </a:p>
-          <a:p>
-            <a:pPr lvl="1"/>
-            <a:endParaRPr lang="en-US" altLang="zh-CN" dirty="0" smtClean="0"/>
-          </a:p>
-          <a:p>
-            <a:r>
-              <a:rPr lang="en-US" altLang="zh-CN" dirty="0" smtClean="0"/>
+            <a:r>
+              <a:rPr lang="en-US" altLang="zh-CN" dirty="0"/>
               <a:t>Example</a:t>
             </a:r>
             <a:endParaRPr lang="en-US" dirty="0"/>
@@ -4456,8 +4440,8 @@
         </p:nvSpPr>
         <p:spPr>
           <a:xfrm>
-            <a:off x="1093598" y="5067944"/>
-            <a:ext cx="6342442" cy="369332"/>
+            <a:off x="1101573" y="4025289"/>
+            <a:ext cx="5966313" cy="369332"/>
           </a:xfrm>
           <a:prstGeom prst="rect">
             <a:avLst/>
@@ -4471,88 +4455,80 @@
           <a:lstStyle/>
           <a:p>
             <a:r>
-              <a:rPr lang="en-US" altLang="zh-CN" dirty="0" smtClean="0"/>
+              <a:rPr lang="en-US" altLang="zh-CN" dirty="0"/>
               <a:t>F</a:t>
             </a:r>
             <a:r>
-              <a:rPr lang="zh-CN" altLang="en-US" dirty="0" smtClean="0"/>
+              <a:rPr lang="zh-CN" altLang="en-US" dirty="0"/>
               <a:t>     </a:t>
             </a:r>
             <a:r>
-              <a:rPr lang="en-US" altLang="zh-CN" dirty="0" smtClean="0"/>
+              <a:rPr lang="en-US" altLang="zh-CN" dirty="0"/>
               <a:t>T</a:t>
             </a:r>
             <a:r>
-              <a:rPr lang="zh-CN" altLang="en-US" dirty="0" smtClean="0"/>
+              <a:rPr lang="zh-CN" altLang="en-US" dirty="0"/>
               <a:t>             </a:t>
             </a:r>
             <a:r>
-              <a:rPr lang="en-US" altLang="zh-CN" dirty="0" smtClean="0"/>
+              <a:rPr lang="en-US" altLang="zh-CN" dirty="0"/>
+              <a:t>It</a:t>
+            </a:r>
+            <a:r>
+              <a:rPr lang="zh-CN" altLang="en-US" dirty="0"/>
+              <a:t> </a:t>
+            </a:r>
+            <a:r>
+              <a:rPr lang="en-US" altLang="zh-CN" dirty="0"/>
+              <a:t>is</a:t>
+            </a:r>
+            <a:r>
+              <a:rPr lang="zh-CN" altLang="en-US" dirty="0"/>
+              <a:t> </a:t>
+            </a:r>
+            <a:r>
+              <a:rPr lang="en-US" altLang="zh-CN" dirty="0"/>
+              <a:t>possible</a:t>
+            </a:r>
+            <a:r>
+              <a:rPr lang="zh-CN" altLang="en-US" dirty="0"/>
+              <a:t> </a:t>
+            </a:r>
+            <a:r>
+              <a:rPr lang="en-US" altLang="zh-CN" dirty="0"/>
+              <a:t>to</a:t>
+            </a:r>
+            <a:r>
+              <a:rPr lang="zh-CN" altLang="en-US" dirty="0"/>
+              <a:t> </a:t>
+            </a:r>
+            <a:r>
+              <a:rPr lang="en-US" altLang="zh-CN" dirty="0"/>
+              <a:t>implement</a:t>
+            </a:r>
+            <a:r>
+              <a:rPr lang="zh-CN" altLang="en-US" dirty="0"/>
+              <a:t> </a:t>
+            </a:r>
+            <a:r>
+              <a:rPr lang="en-US" altLang="zh-CN" dirty="0"/>
+              <a:t>SQL</a:t>
+            </a:r>
+            <a:r>
+              <a:rPr lang="zh-CN" altLang="en-US" dirty="0"/>
+              <a:t> </a:t>
+            </a:r>
+            <a:r>
+              <a:rPr lang="en-US" altLang="zh-CN" dirty="0"/>
+              <a:t>using</a:t>
+            </a:r>
+            <a:r>
+              <a:rPr lang="zh-CN" altLang="en-US" dirty="0"/>
+              <a:t> </a:t>
+            </a:r>
+            <a:r>
+              <a:rPr lang="en-US" altLang="zh-CN" dirty="0"/>
               <a:t>MapReduce</a:t>
-            </a:r>
-            <a:r>
-              <a:rPr lang="zh-CN" altLang="en-US" dirty="0" smtClean="0"/>
-              <a:t> </a:t>
-            </a:r>
-            <a:r>
-              <a:rPr lang="en-US" altLang="zh-CN" dirty="0" smtClean="0"/>
-              <a:t>is</a:t>
-            </a:r>
-            <a:r>
-              <a:rPr lang="zh-CN" altLang="en-US" dirty="0" smtClean="0"/>
-              <a:t> </a:t>
-            </a:r>
-            <a:r>
-              <a:rPr lang="en-US" altLang="zh-CN" dirty="0" smtClean="0"/>
-              <a:t>not</a:t>
-            </a:r>
-            <a:r>
-              <a:rPr lang="zh-CN" altLang="en-US" dirty="0" smtClean="0"/>
-              <a:t> </a:t>
-            </a:r>
-            <a:r>
-              <a:rPr lang="en-US" altLang="zh-CN" dirty="0" smtClean="0"/>
-              <a:t>built</a:t>
-            </a:r>
-            <a:r>
-              <a:rPr lang="zh-CN" altLang="en-US" dirty="0" smtClean="0"/>
-              <a:t> </a:t>
-            </a:r>
-            <a:r>
-              <a:rPr lang="en-US" altLang="zh-CN" dirty="0" smtClean="0"/>
-              <a:t>based</a:t>
-            </a:r>
-            <a:r>
-              <a:rPr lang="zh-CN" altLang="en-US" dirty="0" smtClean="0"/>
-              <a:t> </a:t>
-            </a:r>
-            <a:r>
-              <a:rPr lang="en-US" altLang="zh-CN" dirty="0" smtClean="0"/>
-              <a:t>on</a:t>
-            </a:r>
-            <a:r>
-              <a:rPr lang="zh-CN" altLang="en-US" dirty="0" smtClean="0"/>
-              <a:t> </a:t>
-            </a:r>
-            <a:r>
-              <a:rPr lang="en-US" altLang="zh-CN" dirty="0" smtClean="0"/>
-              <a:t>the</a:t>
-            </a:r>
-            <a:r>
-              <a:rPr lang="zh-CN" altLang="en-US" dirty="0" smtClean="0"/>
-              <a:t> </a:t>
-            </a:r>
-            <a:r>
-              <a:rPr lang="en-US" altLang="zh-CN" dirty="0" smtClean="0"/>
-              <a:t>relational</a:t>
-            </a:r>
-            <a:r>
-              <a:rPr lang="zh-CN" altLang="en-US" dirty="0" smtClean="0"/>
-              <a:t> </a:t>
-            </a:r>
-            <a:r>
-              <a:rPr lang="en-US" altLang="zh-CN" dirty="0" smtClean="0"/>
-              <a:t>model</a:t>
             </a:r>
             <a:endParaRPr lang="en-US" dirty="0"/>
           </a:p>
@@ -4566,7 +4542,7 @@
         </p:nvSpPr>
         <p:spPr>
           <a:xfrm>
-            <a:off x="1434562" y="5067944"/>
+            <a:off x="1420707" y="3997825"/>
             <a:ext cx="378740" cy="369332"/>
           </a:xfrm>
           <a:prstGeom prst="ellipse">
@@ -4604,6 +4580,109 @@
           </a:p>
         </p:txBody>
       </p:sp>
+      <p:grpSp>
+        <p:nvGrpSpPr>
+          <p:cNvPr id="10" name="Group 9">
+            <a:extLst>
+              <a:ext uri="{FF2B5EF4-FFF2-40B4-BE49-F238E27FC236}">
+                <a16:creationId xmlns:a16="http://schemas.microsoft.com/office/drawing/2014/main" id="{04F54A39-CA18-E14D-9554-E7262EC75EBF}"/>
+              </a:ext>
+            </a:extLst>
+          </p:cNvPr>
+          <p:cNvGrpSpPr/>
+          <p:nvPr/>
+        </p:nvGrpSpPr>
+        <p:grpSpPr>
+          <a:xfrm>
+            <a:off x="1799447" y="4707085"/>
+            <a:ext cx="5010148" cy="1559572"/>
+            <a:chOff x="0" y="1606930"/>
+            <a:chExt cx="9144000" cy="3864055"/>
+          </a:xfrm>
+        </p:grpSpPr>
+        <p:pic>
+          <p:nvPicPr>
+            <p:cNvPr id="8" name="Picture 7">
+              <a:extLst>
+                <a:ext uri="{FF2B5EF4-FFF2-40B4-BE49-F238E27FC236}">
+                  <a16:creationId xmlns:a16="http://schemas.microsoft.com/office/drawing/2014/main" id="{4A7444FD-A367-E248-9FF4-E03C3D5A5CBE}"/>
+                </a:ext>
+              </a:extLst>
+            </p:cNvPr>
+            <p:cNvPicPr>
+              <a:picLocks noChangeAspect="1"/>
+            </p:cNvPicPr>
+            <p:nvPr/>
+          </p:nvPicPr>
+          <p:blipFill>
+            <a:blip r:embed="rId2"/>
+            <a:stretch>
+              <a:fillRect/>
+            </a:stretch>
+          </p:blipFill>
+          <p:spPr>
+            <a:xfrm>
+              <a:off x="0" y="1606930"/>
+              <a:ext cx="9144000" cy="3644139"/>
+            </a:xfrm>
+            <a:prstGeom prst="rect">
+              <a:avLst/>
+            </a:prstGeom>
+          </p:spPr>
+        </p:pic>
+        <p:sp>
+          <p:nvSpPr>
+            <p:cNvPr id="9" name="Rectangle 8">
+              <a:extLst>
+                <a:ext uri="{FF2B5EF4-FFF2-40B4-BE49-F238E27FC236}">
+                  <a16:creationId xmlns:a16="http://schemas.microsoft.com/office/drawing/2014/main" id="{1B472269-47B9-CE46-A914-649C150EFC15}"/>
+                </a:ext>
+              </a:extLst>
+            </p:cNvPr>
+            <p:cNvSpPr/>
+            <p:nvPr/>
+          </p:nvSpPr>
+          <p:spPr>
+            <a:xfrm>
+              <a:off x="0" y="3823856"/>
+              <a:ext cx="3532909" cy="1647129"/>
+            </a:xfrm>
+            <a:prstGeom prst="rect">
+              <a:avLst/>
+            </a:prstGeom>
+            <a:solidFill>
+              <a:schemeClr val="bg1"/>
+            </a:solidFill>
+            <a:ln>
+              <a:noFill/>
+            </a:ln>
+          </p:spPr>
+          <p:style>
+            <a:lnRef idx="2">
+              <a:schemeClr val="accent1">
+                <a:shade val="50000"/>
+              </a:schemeClr>
+            </a:lnRef>
+            <a:fillRef idx="1">
+              <a:schemeClr val="accent1"/>
+            </a:fillRef>
+            <a:effectRef idx="0">
+              <a:schemeClr val="accent1"/>
+            </a:effectRef>
+            <a:fontRef idx="minor">
+              <a:schemeClr val="lt1"/>
+            </a:fontRef>
+          </p:style>
+          <p:txBody>
+            <a:bodyPr rtlCol="0" anchor="ctr"/>
+            <a:lstStyle/>
+            <a:p>
+              <a:pPr algn="ctr"/>
+              <a:endParaRPr lang="en-US"/>
+            </a:p>
+          </p:txBody>
+        </p:sp>
+      </p:grpSp>
     </p:spTree>
     <p:extLst>
       <p:ext uri="{BB962C8B-B14F-4D97-AF65-F5344CB8AC3E}">
@@ -4650,7 +4729,7 @@
                                         <p:tgtEl>
                                           <p:spTgt spid="3">
                                             <p:txEl>
-                                              <p:pRg st="6" end="6"/>
+                                              <p:pRg st="4" end="4"/>
                                             </p:txEl>
                                           </p:spTgt>
                                         </p:tgtEl>
@@ -4743,6 +4822,51 @@
                       </p:childTnLst>
                     </p:cTn>
                   </p:par>
+                  <p:par>
+                    <p:cTn id="13" fill="hold">
+                      <p:stCondLst>
+                        <p:cond delay="indefinite"/>
+                      </p:stCondLst>
+                      <p:childTnLst>
+                        <p:par>
+                          <p:cTn id="14" fill="hold">
+                            <p:stCondLst>
+                              <p:cond delay="0"/>
+                            </p:stCondLst>
+                            <p:childTnLst>
+                              <p:par>
+                                <p:cTn id="15" presetID="1" presetClass="entr" presetSubtype="0" fill="hold" nodeType="clickEffect">
+                                  <p:stCondLst>
+                                    <p:cond delay="0"/>
+                                  </p:stCondLst>
+                                  <p:childTnLst>
+                                    <p:set>
+                                      <p:cBhvr>
+                                        <p:cTn id="16" dur="1" fill="hold">
+                                          <p:stCondLst>
+                                            <p:cond delay="0"/>
+                                          </p:stCondLst>
+                                        </p:cTn>
+                                        <p:tgtEl>
+                                          <p:spTgt spid="10"/>
+                                        </p:tgtEl>
+                                        <p:attrNameLst>
+                                          <p:attrName>style.visibility</p:attrName>
+                                        </p:attrNameLst>
+                                      </p:cBhvr>
+                                      <p:to>
+                                        <p:strVal val="visible"/>
+                                      </p:to>
+                                    </p:set>
+                                  </p:childTnLst>
+                                </p:cTn>
+                              </p:par>
+                            </p:childTnLst>
+                          </p:cTn>
+                        </p:par>
+                      </p:childTnLst>
+                    </p:cTn>
+                  </p:par>
                 </p:childTnLst>
               </p:cTn>
               <p:prevCondLst>
@@ -4805,23 +4929,23 @@
           <a:lstStyle/>
           <a:p>
             <a:r>
-              <a:rPr lang="en-US" altLang="zh-CN" dirty="0" smtClean="0"/>
+              <a:rPr lang="en-US" altLang="zh-CN" dirty="0"/>
               <a:t>Relational</a:t>
             </a:r>
             <a:r>
-              <a:rPr lang="zh-CN" altLang="en-US" dirty="0" smtClean="0"/>
-              <a:t> </a:t>
-            </a:r>
-            <a:r>
-              <a:rPr lang="en-US" altLang="zh-CN" dirty="0" smtClean="0"/>
+              <a:rPr lang="zh-CN" altLang="en-US" dirty="0"/>
+              <a:t> </a:t>
+            </a:r>
+            <a:r>
+              <a:rPr lang="en-US" altLang="zh-CN" dirty="0"/>
               <a:t>Model</a:t>
             </a:r>
             <a:r>
-              <a:rPr lang="zh-CN" altLang="en-US" dirty="0" smtClean="0"/>
-              <a:t> </a:t>
-            </a:r>
-            <a:r>
-              <a:rPr lang="en-US" altLang="zh-CN" dirty="0" smtClean="0"/>
+              <a:rPr lang="zh-CN" altLang="en-US" dirty="0"/>
+              <a:t> </a:t>
+            </a:r>
+            <a:r>
+              <a:rPr lang="en-US" altLang="zh-CN" dirty="0"/>
               <a:t>(10%)</a:t>
             </a:r>
             <a:endParaRPr lang="en-US" dirty="0"/>
@@ -4875,46 +4999,45 @@
           <a:p>
             <a:pPr lvl="1"/>
             <a:r>
-              <a:rPr lang="en-US" altLang="zh-CN" dirty="0" smtClean="0"/>
+              <a:rPr lang="en-US" altLang="zh-CN" dirty="0"/>
               <a:t>Basics</a:t>
             </a:r>
             <a:r>
-              <a:rPr lang="zh-CN" altLang="en-US" dirty="0" smtClean="0"/>
-              <a:t> </a:t>
-            </a:r>
-            <a:r>
-              <a:rPr lang="en-US" altLang="zh-CN" dirty="0" smtClean="0"/>
+              <a:rPr lang="zh-CN" altLang="en-US" dirty="0"/>
+              <a:t> </a:t>
+            </a:r>
+            <a:r>
+              <a:rPr lang="en-US" altLang="zh-CN" dirty="0"/>
               <a:t>of</a:t>
             </a:r>
             <a:r>
-              <a:rPr lang="zh-CN" altLang="en-US" dirty="0" smtClean="0"/>
-              <a:t> </a:t>
-            </a:r>
-            <a:r>
-              <a:rPr lang="en-US" altLang="zh-CN" dirty="0" smtClean="0"/>
+              <a:rPr lang="zh-CN" altLang="en-US" dirty="0"/>
+              <a:t> </a:t>
+            </a:r>
+            <a:r>
+              <a:rPr lang="en-US" altLang="zh-CN" dirty="0"/>
               <a:t>Data</a:t>
             </a:r>
             <a:r>
-              <a:rPr lang="zh-CN" altLang="en-US" dirty="0" smtClean="0"/>
-              <a:t> </a:t>
-            </a:r>
-            <a:r>
-              <a:rPr lang="en-US" altLang="zh-CN" dirty="0" smtClean="0"/>
+              <a:rPr lang="zh-CN" altLang="en-US" dirty="0"/>
+              <a:t> </a:t>
+            </a:r>
+            <a:r>
+              <a:rPr lang="en-US" altLang="zh-CN" dirty="0"/>
               <a:t>Models</a:t>
             </a:r>
-            <a:endParaRPr lang="en-US" altLang="zh-CN" dirty="0"/>
           </a:p>
           <a:p>
             <a:pPr lvl="1"/>
             <a:r>
-              <a:rPr lang="en-US" altLang="zh-CN" dirty="0" smtClean="0"/>
+              <a:rPr lang="en-US" altLang="zh-CN" dirty="0"/>
               <a:t>Terminologies</a:t>
             </a:r>
           </a:p>
           <a:p>
             <a:pPr lvl="1"/>
             <a:r>
-              <a:rPr lang="en-US" altLang="zh-CN" dirty="0" smtClean="0"/>
+              <a:rPr lang="en-US" altLang="zh-CN" dirty="0"/>
               <a:t>Keys</a:t>
             </a:r>
           </a:p>
@@ -4923,11 +5046,14 @@
             <a:endParaRPr lang="en-US" altLang="zh-CN" dirty="0"/>
           </a:p>
           <a:p>
-            <a:r>
-              <a:rPr lang="en-US" altLang="zh-CN" dirty="0" smtClean="0"/>
+            <a:pPr lvl="1"/>
+            <a:endParaRPr lang="en-US" altLang="zh-CN" dirty="0"/>
+          </a:p>
+          <a:p>
+            <a:r>
+              <a:rPr lang="en-US" altLang="zh-CN" dirty="0"/>
               <a:t>Example</a:t>
             </a:r>
-            <a:endParaRPr lang="en-US" altLang="zh-CN" dirty="0"/>
           </a:p>
           <a:p>
             <a:pPr lvl="1"/>
@@ -4984,135 +5110,135 @@
           <a:lstStyle/>
           <a:p>
             <a:r>
-              <a:rPr lang="en-US" altLang="zh-CN" dirty="0" smtClean="0"/>
+              <a:rPr lang="en-US" altLang="zh-CN" dirty="0"/>
               <a:t>F</a:t>
             </a:r>
             <a:r>
-              <a:rPr lang="zh-CN" altLang="en-US" dirty="0" smtClean="0"/>
+              <a:rPr lang="zh-CN" altLang="en-US" dirty="0"/>
               <a:t>     </a:t>
             </a:r>
             <a:r>
-              <a:rPr lang="en-US" altLang="zh-CN" dirty="0" smtClean="0"/>
+              <a:rPr lang="en-US" altLang="zh-CN" dirty="0"/>
               <a:t>T</a:t>
             </a:r>
             <a:r>
-              <a:rPr lang="zh-CN" altLang="en-US" dirty="0" smtClean="0"/>
+              <a:rPr lang="zh-CN" altLang="en-US" dirty="0"/>
               <a:t>            </a:t>
             </a:r>
             <a:r>
-              <a:rPr lang="en-US" altLang="zh-CN" dirty="0" smtClean="0"/>
+              <a:rPr lang="en-US" altLang="zh-CN" dirty="0"/>
               <a:t>A</a:t>
             </a:r>
             <a:r>
-              <a:rPr lang="zh-CN" altLang="en-US" dirty="0" smtClean="0"/>
-              <a:t> </a:t>
-            </a:r>
-            <a:r>
-              <a:rPr lang="en-US" altLang="zh-CN" dirty="0" smtClean="0"/>
+              <a:rPr lang="zh-CN" altLang="en-US" dirty="0"/>
+              <a:t> </a:t>
+            </a:r>
+            <a:r>
+              <a:rPr lang="en-US" altLang="zh-CN" dirty="0"/>
               <a:t>primary</a:t>
             </a:r>
             <a:r>
-              <a:rPr lang="zh-CN" altLang="en-US" dirty="0" smtClean="0"/>
-              <a:t> </a:t>
-            </a:r>
-            <a:r>
-              <a:rPr lang="en-US" altLang="zh-CN" dirty="0" smtClean="0"/>
+              <a:rPr lang="zh-CN" altLang="en-US" dirty="0"/>
+              <a:t> </a:t>
+            </a:r>
+            <a:r>
+              <a:rPr lang="en-US" altLang="zh-CN" dirty="0"/>
               <a:t>key</a:t>
             </a:r>
             <a:r>
-              <a:rPr lang="zh-CN" altLang="en-US" dirty="0" smtClean="0"/>
-              <a:t> </a:t>
-            </a:r>
-            <a:r>
-              <a:rPr lang="en-US" altLang="zh-CN" dirty="0" smtClean="0"/>
+              <a:rPr lang="zh-CN" altLang="en-US" dirty="0"/>
+              <a:t> </a:t>
+            </a:r>
+            <a:r>
+              <a:rPr lang="en-US" altLang="zh-CN" dirty="0"/>
               <a:t>is</a:t>
             </a:r>
             <a:r>
-              <a:rPr lang="zh-CN" altLang="en-US" dirty="0" smtClean="0"/>
-              <a:t> </a:t>
-            </a:r>
-            <a:r>
-              <a:rPr lang="en-US" altLang="zh-CN" dirty="0" smtClean="0"/>
+              <a:rPr lang="zh-CN" altLang="en-US" dirty="0"/>
+              <a:t> </a:t>
+            </a:r>
+            <a:r>
+              <a:rPr lang="en-US" altLang="zh-CN" dirty="0"/>
               <a:t>a</a:t>
             </a:r>
             <a:r>
-              <a:rPr lang="zh-CN" altLang="en-US" dirty="0" smtClean="0"/>
-              <a:t> </a:t>
-            </a:r>
-            <a:r>
-              <a:rPr lang="en-US" altLang="zh-CN" dirty="0" smtClean="0"/>
+              <a:rPr lang="zh-CN" altLang="en-US" dirty="0"/>
+              <a:t> </a:t>
+            </a:r>
+            <a:r>
+              <a:rPr lang="en-US" altLang="zh-CN" dirty="0"/>
               <a:t>single</a:t>
             </a:r>
             <a:r>
-              <a:rPr lang="zh-CN" altLang="en-US" dirty="0" smtClean="0"/>
-              <a:t> </a:t>
-            </a:r>
-            <a:r>
-              <a:rPr lang="en-US" altLang="zh-CN" dirty="0" smtClean="0"/>
+              <a:rPr lang="zh-CN" altLang="en-US" dirty="0"/>
+              <a:t> </a:t>
+            </a:r>
+            <a:r>
+              <a:rPr lang="en-US" altLang="zh-CN" dirty="0"/>
               <a:t>column</a:t>
             </a:r>
             <a:r>
-              <a:rPr lang="zh-CN" altLang="en-US" dirty="0" smtClean="0"/>
-              <a:t> </a:t>
-            </a:r>
-            <a:r>
-              <a:rPr lang="en-US" altLang="zh-CN" dirty="0" smtClean="0"/>
+              <a:rPr lang="zh-CN" altLang="en-US" dirty="0"/>
+              <a:t> </a:t>
+            </a:r>
+            <a:r>
+              <a:rPr lang="en-US" altLang="zh-CN" dirty="0"/>
               <a:t>that</a:t>
             </a:r>
             <a:r>
-              <a:rPr lang="zh-CN" altLang="en-US" dirty="0" smtClean="0"/>
-              <a:t> </a:t>
-            </a:r>
-            <a:r>
-              <a:rPr lang="en-US" altLang="zh-CN" dirty="0" smtClean="0"/>
+              <a:rPr lang="zh-CN" altLang="en-US" dirty="0"/>
+              <a:t> </a:t>
+            </a:r>
+            <a:r>
+              <a:rPr lang="en-US" altLang="zh-CN" dirty="0"/>
               <a:t>uniquely</a:t>
             </a:r>
             <a:r>
-              <a:rPr lang="zh-CN" altLang="en-US" dirty="0" smtClean="0"/>
-              <a:t> </a:t>
-            </a:r>
-            <a:r>
-              <a:rPr lang="en-US" altLang="zh-CN" dirty="0" smtClean="0"/>
+              <a:rPr lang="zh-CN" altLang="en-US" dirty="0"/>
+              <a:t> </a:t>
+            </a:r>
+            <a:r>
+              <a:rPr lang="en-US" altLang="zh-CN" dirty="0"/>
               <a:t>identifies</a:t>
             </a:r>
             <a:r>
-              <a:rPr lang="zh-CN" altLang="en-US" dirty="0" smtClean="0"/>
-              <a:t> </a:t>
-            </a:r>
-            <a:r>
-              <a:rPr lang="en-US" altLang="zh-CN" dirty="0" smtClean="0"/>
+              <a:rPr lang="zh-CN" altLang="en-US" dirty="0"/>
+              <a:t> </a:t>
+            </a:r>
+            <a:r>
+              <a:rPr lang="en-US" altLang="zh-CN" dirty="0"/>
               <a:t>a</a:t>
             </a:r>
             <a:r>
-              <a:rPr lang="zh-CN" altLang="en-US" dirty="0" smtClean="0"/>
-              <a:t> </a:t>
-            </a:r>
-            <a:r>
-              <a:rPr lang="en-US" altLang="zh-CN" dirty="0" smtClean="0"/>
+              <a:rPr lang="zh-CN" altLang="en-US" dirty="0"/>
+              <a:t> </a:t>
+            </a:r>
+            <a:r>
+              <a:rPr lang="en-US" altLang="zh-CN" dirty="0"/>
               <a:t>record</a:t>
             </a:r>
             <a:r>
-              <a:rPr lang="zh-CN" altLang="en-US" dirty="0" smtClean="0"/>
-              <a:t> </a:t>
-            </a:r>
-            <a:r>
-              <a:rPr lang="en-US" altLang="zh-CN" dirty="0" smtClean="0"/>
+              <a:rPr lang="zh-CN" altLang="en-US" dirty="0"/>
+              <a:t> </a:t>
+            </a:r>
+            <a:r>
+              <a:rPr lang="en-US" altLang="zh-CN" dirty="0"/>
               <a:t>in</a:t>
             </a:r>
             <a:r>
-              <a:rPr lang="zh-CN" altLang="en-US" dirty="0" smtClean="0"/>
-              <a:t> </a:t>
-            </a:r>
-            <a:r>
-              <a:rPr lang="en-US" altLang="zh-CN" dirty="0" smtClean="0"/>
+              <a:rPr lang="zh-CN" altLang="en-US" dirty="0"/>
+              <a:t> </a:t>
+            </a:r>
+            <a:r>
+              <a:rPr lang="en-US" altLang="zh-CN" dirty="0"/>
               <a:t>a</a:t>
             </a:r>
             <a:r>
-              <a:rPr lang="zh-CN" altLang="en-US" dirty="0" smtClean="0"/>
-              <a:t> </a:t>
-            </a:r>
-            <a:r>
-              <a:rPr lang="en-US" altLang="zh-CN" dirty="0" smtClean="0"/>
+              <a:rPr lang="zh-CN" altLang="en-US" dirty="0"/>
+              <a:t> </a:t>
+            </a:r>
+            <a:r>
+              <a:rPr lang="en-US" altLang="zh-CN" dirty="0"/>
               <a:t>relation</a:t>
             </a:r>
             <a:endParaRPr lang="en-US" dirty="0"/>
@@ -5135,6 +5261,58 @@
           </a:prstGeom>
           <a:noFill/>
           <a:ln>
+            <a:solidFill>
+              <a:srgbClr val="FF0000"/>
+            </a:solidFill>
+          </a:ln>
+        </p:spPr>
+        <p:style>
+          <a:lnRef idx="2">
+            <a:schemeClr val="accent1">
+              <a:shade val="50000"/>
+            </a:schemeClr>
+          </a:lnRef>
+          <a:fillRef idx="1">
+            <a:schemeClr val="accent1"/>
+          </a:fillRef>
+          <a:effectRef idx="0">
+            <a:schemeClr val="accent1"/>
+          </a:effectRef>
+          <a:fontRef idx="minor">
+            <a:schemeClr val="lt1"/>
+          </a:fontRef>
+        </p:style>
+        <p:txBody>
+          <a:bodyPr rtlCol="0" anchor="ctr"/>
+          <a:lstStyle/>
+          <a:p>
+            <a:pPr algn="ctr"/>
+            <a:endParaRPr lang="en-US"/>
+          </a:p>
+        </p:txBody>
+      </p:sp>
+      <p:sp>
+        <p:nvSpPr>
+          <p:cNvPr id="5" name="Rectangle 4">
+            <a:extLst>
+              <a:ext uri="{FF2B5EF4-FFF2-40B4-BE49-F238E27FC236}">
+                <a16:creationId xmlns:a16="http://schemas.microsoft.com/office/drawing/2014/main" id="{E0D6AB49-701C-5F4C-B72C-5C84A8955F2D}"/>
+              </a:ext>
+            </a:extLst>
+          </p:cNvPr>
+          <p:cNvSpPr/>
+          <p:nvPr/>
+        </p:nvSpPr>
+        <p:spPr>
+          <a:xfrm>
+            <a:off x="3144982" y="5145436"/>
+            <a:ext cx="1593273" cy="369332"/>
+          </a:xfrm>
+          <a:prstGeom prst="rect">
+            <a:avLst/>
+          </a:prstGeom>
+          <a:noFill/>
+          <a:ln w="28575">
             <a:solidFill>
               <a:srgbClr val="FF0000"/>
             </a:solidFill>
@@ -5211,7 +5389,7 @@
                                         <p:tgtEl>
                                           <p:spTgt spid="3">
                                             <p:txEl>
-                                              <p:pRg st="5" end="5"/>
+                                              <p:pRg st="6" end="6"/>
                                             </p:txEl>
                                           </p:spTgt>
                                         </p:tgtEl>
@@ -5298,6 +5476,33 @@
                                   </p:childTnLst>
                                 </p:cTn>
                               </p:par>
+                              <p:par>
+                                <p:cTn id="13" presetID="1" presetClass="entr" presetSubtype="0" fill="hold" grpId="0" nodeType="withEffect">
+                                  <p:stCondLst>
+                                    <p:cond delay="0"/>
+                                  </p:stCondLst>
+                                  <p:childTnLst>
+                                    <p:set>
+                                      <p:cBhvr>
+                                        <p:cTn id="14" dur="1" fill="hold">
+                                          <p:stCondLst>
+                                            <p:cond delay="0"/>
+                                          </p:stCondLst>
+                                        </p:cTn>
+                                        <p:tgtEl>
+                                          <p:spTgt spid="5"/>
+                                        </p:tgtEl>
+                                        <p:attrNameLst>
+                                          <p:attrName>style.visibility</p:attrName>
+                                        </p:attrNameLst>
+                                      </p:cBhvr>
+                                      <p:to>
+                                        <p:strVal val="visible"/>
+                                      </p:to>
+                                    </p:set>
+                                  </p:childTnLst>
+                                </p:cTn>
+                              </p:par>
                             </p:childTnLst>
                           </p:cTn>
                         </p:par>
@@ -5328,6 +5533,7 @@
     <p:bldLst>
       <p:bldP spid="6" grpId="0"/>
       <p:bldP spid="7" grpId="0" animBg="1"/>
+      <p:bldP spid="5" grpId="0" animBg="1"/>
     </p:bldLst>
   </p:timing>
 </p:sld>
@@ -5366,15 +5572,15 @@
           <a:lstStyle/>
           <a:p>
             <a:r>
-              <a:rPr lang="en-US" altLang="zh-CN" dirty="0" smtClean="0"/>
+              <a:rPr lang="en-US" altLang="zh-CN" dirty="0"/>
               <a:t>SQL</a:t>
             </a:r>
             <a:r>
-              <a:rPr lang="zh-CN" altLang="en-US" dirty="0" smtClean="0"/>
-              <a:t> </a:t>
-            </a:r>
-            <a:r>
-              <a:rPr lang="en-US" altLang="zh-CN" dirty="0" smtClean="0"/>
+              <a:rPr lang="zh-CN" altLang="en-US" dirty="0"/>
+              <a:t> </a:t>
+            </a:r>
+            <a:r>
+              <a:rPr lang="en-US" altLang="zh-CN" dirty="0"/>
               <a:t>(45%)</a:t>
             </a:r>
             <a:endParaRPr lang="en-US" dirty="0"/>
@@ -5420,31 +5626,31 @@
               <a:t> </a:t>
             </a:r>
             <a:r>
-              <a:rPr lang="en-US" altLang="zh-CN" dirty="0" smtClean="0"/>
+              <a:rPr lang="en-US" altLang="zh-CN" dirty="0"/>
               <a:t>to</a:t>
             </a:r>
             <a:r>
-              <a:rPr lang="zh-CN" altLang="en-US" dirty="0" smtClean="0"/>
-              <a:t> </a:t>
-            </a:r>
-            <a:r>
-              <a:rPr lang="en-US" altLang="zh-CN" dirty="0" smtClean="0"/>
+              <a:rPr lang="zh-CN" altLang="en-US" dirty="0"/>
+              <a:t> </a:t>
+            </a:r>
+            <a:r>
+              <a:rPr lang="en-US" altLang="zh-CN" dirty="0"/>
               <a:t>be</a:t>
             </a:r>
             <a:r>
-              <a:rPr lang="zh-CN" altLang="en-US" dirty="0" smtClean="0"/>
-              <a:t> </a:t>
-            </a:r>
-            <a:r>
-              <a:rPr lang="en-US" altLang="zh-CN" b="1" dirty="0" smtClean="0"/>
+              <a:rPr lang="zh-CN" altLang="en-US" dirty="0"/>
+              <a:t> </a:t>
+            </a:r>
+            <a:r>
+              <a:rPr lang="en-US" altLang="zh-CN" b="1" dirty="0"/>
               <a:t>familiar</a:t>
             </a:r>
             <a:r>
-              <a:rPr lang="zh-CN" altLang="en-US" dirty="0" smtClean="0"/>
-              <a:t> </a:t>
-            </a:r>
-            <a:r>
-              <a:rPr lang="en-US" altLang="zh-CN" dirty="0" smtClean="0"/>
+              <a:rPr lang="zh-CN" altLang="en-US" dirty="0"/>
+              <a:t> </a:t>
+            </a:r>
+            <a:r>
+              <a:rPr lang="en-US" altLang="zh-CN" dirty="0"/>
               <a:t>with</a:t>
             </a:r>
             <a:endParaRPr lang="en-US" altLang="zh-CN" b="1" dirty="0"/>
@@ -5452,220 +5658,194 @@
           <a:p>
             <a:pPr lvl="1"/>
             <a:r>
-              <a:rPr lang="en-US" altLang="zh-CN" dirty="0" smtClean="0"/>
+              <a:rPr lang="en-US" altLang="zh-CN" dirty="0"/>
               <a:t>SQL</a:t>
             </a:r>
             <a:r>
-              <a:rPr lang="zh-CN" altLang="en-US" dirty="0" smtClean="0"/>
-              <a:t> </a:t>
-            </a:r>
-            <a:r>
-              <a:rPr lang="en-US" altLang="zh-CN" dirty="0" smtClean="0"/>
+              <a:rPr lang="zh-CN" altLang="en-US" dirty="0"/>
+              <a:t> </a:t>
+            </a:r>
+            <a:r>
+              <a:rPr lang="en-US" altLang="zh-CN" dirty="0"/>
               <a:t>DDL</a:t>
             </a:r>
           </a:p>
           <a:p>
             <a:pPr lvl="2"/>
             <a:r>
-              <a:rPr lang="en-US" altLang="zh-CN" dirty="0" smtClean="0"/>
-              <a:t>Data</a:t>
-            </a:r>
-            <a:r>
-              <a:rPr lang="zh-CN" altLang="en-US" dirty="0" smtClean="0"/>
-              <a:t> </a:t>
-            </a:r>
-            <a:r>
-              <a:rPr lang="en-US" altLang="zh-CN" dirty="0" smtClean="0"/>
-              <a:t>types</a:t>
+              <a:rPr lang="en-US" altLang="zh-CN" dirty="0"/>
+              <a:t>Create/Insert/Alter</a:t>
             </a:r>
           </a:p>
           <a:p>
             <a:pPr lvl="2"/>
             <a:r>
-              <a:rPr lang="en-US" altLang="zh-CN" dirty="0" smtClean="0"/>
+              <a:rPr lang="en-US" altLang="zh-CN" dirty="0"/>
               <a:t>Constraints</a:t>
             </a:r>
           </a:p>
           <a:p>
             <a:pPr lvl="1"/>
             <a:r>
-              <a:rPr lang="en-US" altLang="zh-CN" dirty="0" smtClean="0"/>
+              <a:rPr lang="en-US" altLang="zh-CN" dirty="0"/>
               <a:t>SQL</a:t>
             </a:r>
             <a:r>
-              <a:rPr lang="zh-CN" altLang="en-US" dirty="0" smtClean="0"/>
-              <a:t> </a:t>
-            </a:r>
-            <a:r>
-              <a:rPr lang="en-US" altLang="zh-CN" dirty="0" smtClean="0"/>
+              <a:rPr lang="zh-CN" altLang="en-US" dirty="0"/>
+              <a:t> </a:t>
+            </a:r>
+            <a:r>
+              <a:rPr lang="en-US" altLang="zh-CN" dirty="0"/>
               <a:t>DML</a:t>
             </a:r>
-            <a:endParaRPr lang="en-US" altLang="zh-CN" dirty="0"/>
           </a:p>
           <a:p>
             <a:pPr lvl="2"/>
             <a:r>
-              <a:rPr lang="en-US" dirty="0" smtClean="0"/>
+              <a:rPr lang="en-US" dirty="0"/>
               <a:t>Selection</a:t>
             </a:r>
             <a:r>
-              <a:rPr lang="en-US" altLang="zh-CN" dirty="0" smtClean="0"/>
+              <a:rPr lang="en-US" altLang="zh-CN" dirty="0"/>
               <a:t>,</a:t>
             </a:r>
             <a:r>
-              <a:rPr lang="zh-CN" altLang="en-US" dirty="0" smtClean="0"/>
-              <a:t> </a:t>
-            </a:r>
-            <a:r>
-              <a:rPr lang="en-US" dirty="0" smtClean="0"/>
+              <a:rPr lang="zh-CN" altLang="en-US" dirty="0"/>
+              <a:t> </a:t>
+            </a:r>
+            <a:r>
+              <a:rPr lang="en-US" dirty="0"/>
               <a:t>Projection</a:t>
             </a:r>
           </a:p>
           <a:p>
             <a:pPr lvl="2"/>
             <a:r>
-              <a:rPr lang="en-US" dirty="0" smtClean="0"/>
-              <a:t>Set </a:t>
-            </a:r>
-            <a:r>
               <a:rPr lang="en-US" dirty="0"/>
-              <a:t>Operators (UNION, INTERSECT, EXCEPT</a:t>
-            </a:r>
-            <a:r>
-              <a:rPr lang="en-US" dirty="0" smtClean="0"/>
-              <a:t>)</a:t>
+              <a:t>Set Operators (UNION, INTERSECT, EXCEPT)</a:t>
             </a:r>
           </a:p>
           <a:p>
             <a:pPr lvl="2"/>
             <a:r>
-              <a:rPr lang="en-US" dirty="0" smtClean="0"/>
-              <a:t>Joins </a:t>
-            </a:r>
-            <a:r>
               <a:rPr lang="en-US" dirty="0"/>
-              <a:t>(INNER, OUTER</a:t>
-            </a:r>
-            <a:r>
-              <a:rPr lang="en-US" dirty="0" smtClean="0"/>
-              <a:t>)</a:t>
+              <a:t>Joins (INNER, OUTER)</a:t>
             </a:r>
           </a:p>
           <a:p>
             <a:pPr lvl="2"/>
             <a:r>
-              <a:rPr lang="en-US" dirty="0" smtClean="0"/>
+              <a:rPr lang="en-US" dirty="0"/>
               <a:t>Aggregation</a:t>
             </a:r>
             <a:r>
-              <a:rPr lang="en-US" altLang="zh-CN" dirty="0" smtClean="0"/>
+              <a:rPr lang="en-US" altLang="zh-CN" dirty="0"/>
               <a:t>,</a:t>
             </a:r>
             <a:r>
-              <a:rPr lang="zh-CN" altLang="en-US" dirty="0" smtClean="0"/>
-              <a:t> </a:t>
-            </a:r>
-            <a:r>
-              <a:rPr lang="en-US" dirty="0" smtClean="0"/>
+              <a:rPr lang="zh-CN" altLang="en-US" dirty="0"/>
+              <a:t> </a:t>
+            </a:r>
+            <a:r>
+              <a:rPr lang="en-US" dirty="0"/>
               <a:t>Group By</a:t>
             </a:r>
             <a:r>
-              <a:rPr lang="en-US" altLang="zh-CN" dirty="0" smtClean="0"/>
+              <a:rPr lang="en-US" altLang="zh-CN" dirty="0"/>
               <a:t>,</a:t>
             </a:r>
             <a:r>
-              <a:rPr lang="zh-CN" altLang="en-US" dirty="0" smtClean="0"/>
-              <a:t> </a:t>
-            </a:r>
-            <a:r>
-              <a:rPr lang="en-US" dirty="0" smtClean="0"/>
+              <a:rPr lang="zh-CN" altLang="en-US" dirty="0"/>
+              <a:t> </a:t>
+            </a:r>
+            <a:r>
+              <a:rPr lang="en-US" dirty="0"/>
               <a:t>Having</a:t>
             </a:r>
           </a:p>
           <a:p>
             <a:pPr lvl="2"/>
             <a:r>
-              <a:rPr lang="en-US" dirty="0" smtClean="0"/>
+              <a:rPr lang="en-US" dirty="0"/>
               <a:t>Order By</a:t>
             </a:r>
             <a:r>
-              <a:rPr lang="en-US" altLang="zh-CN" dirty="0" smtClean="0"/>
+              <a:rPr lang="en-US" altLang="zh-CN" dirty="0"/>
               <a:t>,</a:t>
             </a:r>
             <a:r>
-              <a:rPr lang="zh-CN" altLang="en-US" dirty="0" smtClean="0"/>
-              <a:t> </a:t>
-            </a:r>
-            <a:r>
-              <a:rPr lang="en-US" dirty="0" smtClean="0"/>
+              <a:rPr lang="zh-CN" altLang="en-US" dirty="0"/>
+              <a:t> </a:t>
+            </a:r>
+            <a:r>
+              <a:rPr lang="en-US" dirty="0"/>
               <a:t>Distinct</a:t>
             </a:r>
             <a:r>
-              <a:rPr lang="en-US" altLang="zh-CN" dirty="0" smtClean="0"/>
+              <a:rPr lang="en-US" altLang="zh-CN" dirty="0"/>
               <a:t>,</a:t>
             </a:r>
             <a:r>
-              <a:rPr lang="zh-CN" altLang="en-US" dirty="0" smtClean="0"/>
-              <a:t> </a:t>
-            </a:r>
-            <a:r>
-              <a:rPr lang="en-US" altLang="zh-CN" dirty="0" smtClean="0"/>
+              <a:rPr lang="zh-CN" altLang="en-US" dirty="0"/>
+              <a:t> </a:t>
+            </a:r>
+            <a:r>
+              <a:rPr lang="en-US" altLang="zh-CN" dirty="0"/>
               <a:t>NULL</a:t>
             </a:r>
-            <a:endParaRPr lang="en-US" dirty="0" smtClean="0"/>
+            <a:endParaRPr lang="en-US" dirty="0"/>
           </a:p>
           <a:p>
             <a:pPr lvl="2"/>
             <a:r>
-              <a:rPr lang="en-US" dirty="0" smtClean="0"/>
+              <a:rPr lang="en-US" dirty="0"/>
               <a:t>Subqueries</a:t>
             </a:r>
           </a:p>
           <a:p>
             <a:r>
-              <a:rPr lang="en-US" altLang="zh-CN" dirty="0" smtClean="0"/>
+              <a:rPr lang="en-US" altLang="zh-CN" dirty="0"/>
               <a:t>Example</a:t>
             </a:r>
           </a:p>
           <a:p>
             <a:pPr lvl="1"/>
             <a:r>
-              <a:rPr lang="en-US" altLang="zh-CN" dirty="0" smtClean="0"/>
+              <a:rPr lang="en-US" altLang="zh-CN" dirty="0"/>
               <a:t>Similar</a:t>
             </a:r>
             <a:r>
-              <a:rPr lang="zh-CN" altLang="en-US" dirty="0" smtClean="0"/>
-              <a:t> </a:t>
-            </a:r>
-            <a:r>
-              <a:rPr lang="en-US" altLang="zh-CN" dirty="0" smtClean="0"/>
+              <a:rPr lang="zh-CN" altLang="en-US" dirty="0"/>
+              <a:t> </a:t>
+            </a:r>
+            <a:r>
+              <a:rPr lang="en-US" altLang="zh-CN" dirty="0"/>
               <a:t>to</a:t>
             </a:r>
             <a:r>
-              <a:rPr lang="zh-CN" altLang="en-US" dirty="0" smtClean="0"/>
-              <a:t> </a:t>
-            </a:r>
-            <a:r>
-              <a:rPr lang="en-US" altLang="zh-CN" dirty="0" smtClean="0"/>
+              <a:rPr lang="zh-CN" altLang="en-US" dirty="0"/>
+              <a:t> </a:t>
+            </a:r>
+            <a:r>
+              <a:rPr lang="en-US" altLang="zh-CN" dirty="0"/>
               <a:t>A1</a:t>
             </a:r>
             <a:r>
-              <a:rPr lang="zh-CN" altLang="en-US" dirty="0" smtClean="0"/>
-              <a:t> </a:t>
-            </a:r>
-            <a:r>
-              <a:rPr lang="en-US" altLang="zh-CN" dirty="0" smtClean="0"/>
+              <a:rPr lang="zh-CN" altLang="en-US" dirty="0"/>
+              <a:t> </a:t>
+            </a:r>
+            <a:r>
+              <a:rPr lang="en-US" altLang="zh-CN" dirty="0"/>
               <a:t>and</a:t>
             </a:r>
             <a:r>
-              <a:rPr lang="zh-CN" altLang="en-US" dirty="0" smtClean="0"/>
-              <a:t> </a:t>
-            </a:r>
-            <a:r>
-              <a:rPr lang="en-US" altLang="zh-CN" dirty="0" smtClean="0"/>
+              <a:rPr lang="zh-CN" altLang="en-US" dirty="0"/>
+              <a:t> </a:t>
+            </a:r>
+            <a:r>
+              <a:rPr lang="en-US" altLang="zh-CN" dirty="0"/>
               <a:t>A2</a:t>
             </a:r>
-            <a:endParaRPr lang="en-US" altLang="zh-CN" dirty="0"/>
           </a:p>
         </p:txBody>
       </p:sp>
@@ -5846,39 +6026,26 @@
                                   </p:childTnLst>
                                 </p:cTn>
                               </p:par>
+                            </p:childTnLst>
+                          </p:cTn>
+                        </p:par>
+                      </p:childTnLst>
+                    </p:cTn>
+                  </p:par>
+                  <p:par>
+                    <p:cTn id="13" fill="hold">
+                      <p:stCondLst>
+                        <p:cond delay="indefinite"/>
+                      </p:stCondLst>
+                      <p:childTnLst>
+                        <p:par>
+                          <p:cTn id="14" fill="hold">
+                            <p:stCondLst>
+                              <p:cond delay="0"/>
+                            </p:stCondLst>
+                            <p:childTnLst>
                               <p:par>
-                                <p:cTn id="13" presetID="1" presetClass="entr" presetSubtype="0" fill="hold" nodeType="withEffect">
-                                  <p:stCondLst>
-                                    <p:cond delay="0"/>
-                                  </p:stCondLst>
-                                  <p:childTnLst>
-                                    <p:set>
-                                      <p:cBhvr>
-                                        <p:cTn id="14" dur="1" fill="hold">
-                                          <p:stCondLst>
-                                            <p:cond delay="0"/>
-                                          </p:stCondLst>
-                                        </p:cTn>
-                                        <p:tgtEl>
-                                          <p:spTgt spid="3">
-                                            <p:txEl>
-                                              <p:pRg st="4" end="4"/>
-                                            </p:txEl>
-                                          </p:spTgt>
-                                        </p:tgtEl>
-                                        <p:attrNameLst>
-                                          <p:attrName>style.visibility</p:attrName>
-                                        </p:attrNameLst>
-                                      </p:cBhvr>
-                                      <p:to>
-                                        <p:strVal val="visible"/>
-                                      </p:to>
-                                    </p:set>
-                                  </p:childTnLst>
-                                </p:cTn>
-                              </p:par>
-                              <p:par>
-                                <p:cTn id="15" presetID="1" presetClass="entr" presetSubtype="0" fill="hold" nodeType="withEffect">
+                                <p:cTn id="15" presetID="1" presetClass="entr" presetSubtype="0" fill="hold" nodeType="clickEffect">
                                   <p:stCondLst>
                                     <p:cond delay="0"/>
                                   </p:stCondLst>
@@ -5893,7 +6060,7 @@
                                         <p:tgtEl>
                                           <p:spTgt spid="3">
                                             <p:txEl>
-                                              <p:pRg st="5" end="5"/>
+                                              <p:pRg st="4" end="4"/>
                                             </p:txEl>
                                           </p:spTgt>
                                         </p:tgtEl>
@@ -5924,7 +6091,7 @@
                                         <p:tgtEl>
                                           <p:spTgt spid="3">
                                             <p:txEl>
-                                              <p:pRg st="6" end="6"/>
+                                              <p:pRg st="5" end="5"/>
                                             </p:txEl>
                                           </p:spTgt>
                                         </p:tgtEl>
@@ -5955,7 +6122,7 @@
                                         <p:tgtEl>
                                           <p:spTgt spid="3">
                                             <p:txEl>
-                                              <p:pRg st="7" end="7"/>
+                                              <p:pRg st="6" end="6"/>
                                             </p:txEl>
                                           </p:spTgt>
                                         </p:tgtEl>
@@ -5986,7 +6153,7 @@
                                         <p:tgtEl>
                                           <p:spTgt spid="3">
                                             <p:txEl>
-                                              <p:pRg st="8" end="8"/>
+                                              <p:pRg st="7" end="7"/>
                                             </p:txEl>
                                           </p:spTgt>
                                         </p:tgtEl>
@@ -6017,7 +6184,7 @@
                                         <p:tgtEl>
                                           <p:spTgt spid="3">
                                             <p:txEl>
-                                              <p:pRg st="9" end="9"/>
+                                              <p:pRg st="8" end="8"/>
                                             </p:txEl>
                                           </p:spTgt>
                                         </p:tgtEl>
@@ -6048,6 +6215,37 @@
                                         <p:tgtEl>
                                           <p:spTgt spid="3">
                                             <p:txEl>
+                                              <p:pRg st="9" end="9"/>
+                                            </p:txEl>
+                                          </p:spTgt>
+                                        </p:tgtEl>
+                                        <p:attrNameLst>
+                                          <p:attrName>style.visibility</p:attrName>
+                                        </p:attrNameLst>
+                                      </p:cBhvr>
+                                      <p:to>
+                                        <p:strVal val="visible"/>
+                                      </p:to>
+                                    </p:set>
+                                  </p:childTnLst>
+                                </p:cTn>
+                              </p:par>
+                              <p:par>
+                                <p:cTn id="27" presetID="1" presetClass="entr" presetSubtype="0" fill="hold" nodeType="withEffect">
+                                  <p:stCondLst>
+                                    <p:cond delay="0"/>
+                                  </p:stCondLst>
+                                  <p:childTnLst>
+                                    <p:set>
+                                      <p:cBhvr>
+                                        <p:cTn id="28" dur="1" fill="hold">
+                                          <p:stCondLst>
+                                            <p:cond delay="0"/>
+                                          </p:stCondLst>
+                                        </p:cTn>
+                                        <p:tgtEl>
+                                          <p:spTgt spid="3">
+                                            <p:txEl>
                                               <p:pRg st="10" end="10"/>
                                             </p:txEl>
                                           </p:spTgt>
@@ -6070,26 +6268,26 @@
                     </p:cTn>
                   </p:par>
                   <p:par>
-                    <p:cTn id="27" fill="hold">
+                    <p:cTn id="29" fill="hold">
                       <p:stCondLst>
                         <p:cond delay="indefinite"/>
                       </p:stCondLst>
                       <p:childTnLst>
                         <p:par>
-                          <p:cTn id="28" fill="hold">
+                          <p:cTn id="30" fill="hold">
                             <p:stCondLst>
                               <p:cond delay="0"/>
                             </p:stCondLst>
                             <p:childTnLst>
                               <p:par>
-                                <p:cTn id="29" presetID="1" presetClass="entr" presetSubtype="0" fill="hold" nodeType="clickEffect">
+                                <p:cTn id="31" presetID="1" presetClass="entr" presetSubtype="0" fill="hold" nodeType="clickEffect">
                                   <p:stCondLst>
                                     <p:cond delay="0"/>
                                   </p:stCondLst>
                                   <p:childTnLst>
                                     <p:set>
                                       <p:cBhvr>
-                                        <p:cTn id="30" dur="1" fill="hold">
+                                        <p:cTn id="32" dur="1" fill="hold">
                                           <p:stCondLst>
                                             <p:cond delay="0"/>
                                           </p:stCondLst>
@@ -6113,14 +6311,14 @@
                                 </p:cTn>
                               </p:par>
                               <p:par>
-                                <p:cTn id="31" presetID="1" presetClass="entr" presetSubtype="0" fill="hold" nodeType="withEffect">
+                                <p:cTn id="33" presetID="1" presetClass="entr" presetSubtype="0" fill="hold" nodeType="withEffect">
                                   <p:stCondLst>
                                     <p:cond delay="0"/>
                                   </p:stCondLst>
                                   <p:childTnLst>
                                     <p:set>
                                       <p:cBhvr>
-                                        <p:cTn id="32" dur="1" fill="hold">
+                                        <p:cTn id="34" dur="1" fill="hold">
                                           <p:stCondLst>
                                             <p:cond delay="0"/>
                                           </p:stCondLst>
@@ -6207,15 +6405,15 @@
           <a:lstStyle/>
           <a:p>
             <a:r>
-              <a:rPr lang="en-US" altLang="zh-CN" dirty="0" smtClean="0"/>
+              <a:rPr lang="en-US" altLang="zh-CN" dirty="0"/>
               <a:t>Relational</a:t>
             </a:r>
             <a:r>
-              <a:rPr lang="zh-CN" altLang="en-US" dirty="0" smtClean="0"/>
-              <a:t> </a:t>
-            </a:r>
-            <a:r>
-              <a:rPr lang="en-US" altLang="zh-CN" dirty="0" smtClean="0"/>
+              <a:rPr lang="zh-CN" altLang="en-US" dirty="0"/>
+              <a:t> </a:t>
+            </a:r>
+            <a:r>
+              <a:rPr lang="en-US" altLang="zh-CN" dirty="0"/>
               <a:t>Algebra</a:t>
             </a:r>
             <a:endParaRPr lang="en-US" dirty="0"/>
@@ -6267,55 +6465,54 @@
               <a:t> </a:t>
             </a:r>
             <a:r>
-              <a:rPr lang="en-US" altLang="zh-CN" b="1" dirty="0" smtClean="0"/>
+              <a:rPr lang="en-US" altLang="zh-CN" b="1" dirty="0"/>
               <a:t>know</a:t>
             </a:r>
-            <a:endParaRPr lang="en-US" altLang="zh-CN" b="1" dirty="0"/>
           </a:p>
           <a:p>
             <a:pPr lvl="1"/>
             <a:r>
-              <a:rPr lang="en-US" altLang="zh-CN" dirty="0" smtClean="0"/>
+              <a:rPr lang="en-US" altLang="zh-CN" dirty="0"/>
               <a:t>How</a:t>
             </a:r>
             <a:r>
-              <a:rPr lang="zh-CN" altLang="en-US" dirty="0" smtClean="0"/>
-              <a:t> </a:t>
-            </a:r>
-            <a:r>
-              <a:rPr lang="en-US" altLang="zh-CN" dirty="0" smtClean="0"/>
+              <a:rPr lang="zh-CN" altLang="en-US" dirty="0"/>
+              <a:t> </a:t>
+            </a:r>
+            <a:r>
+              <a:rPr lang="en-US" altLang="zh-CN" dirty="0"/>
               <a:t>to</a:t>
             </a:r>
             <a:r>
-              <a:rPr lang="zh-CN" altLang="en-US" dirty="0" smtClean="0"/>
-              <a:t> </a:t>
-            </a:r>
-            <a:r>
-              <a:rPr lang="en-US" altLang="zh-CN" dirty="0" smtClean="0"/>
+              <a:rPr lang="zh-CN" altLang="en-US" dirty="0"/>
+              <a:t> </a:t>
+            </a:r>
+            <a:r>
+              <a:rPr lang="en-US" altLang="zh-CN" dirty="0"/>
               <a:t>write</a:t>
             </a:r>
             <a:r>
-              <a:rPr lang="zh-CN" altLang="en-US" dirty="0" smtClean="0"/>
-              <a:t> </a:t>
-            </a:r>
-            <a:r>
-              <a:rPr lang="en-US" altLang="zh-CN" dirty="0" smtClean="0"/>
+              <a:rPr lang="zh-CN" altLang="en-US" dirty="0"/>
+              <a:t> </a:t>
+            </a:r>
+            <a:r>
+              <a:rPr lang="en-US" altLang="zh-CN" dirty="0"/>
               <a:t>an</a:t>
             </a:r>
             <a:r>
-              <a:rPr lang="zh-CN" altLang="en-US" dirty="0" smtClean="0"/>
-              <a:t> </a:t>
-            </a:r>
-            <a:r>
-              <a:rPr lang="en-US" altLang="zh-CN" dirty="0" smtClean="0"/>
+              <a:rPr lang="zh-CN" altLang="en-US" dirty="0"/>
+              <a:t> </a:t>
+            </a:r>
+            <a:r>
+              <a:rPr lang="en-US" altLang="zh-CN" dirty="0"/>
               <a:t>RA</a:t>
             </a:r>
             <a:r>
-              <a:rPr lang="zh-CN" altLang="en-US" dirty="0" smtClean="0"/>
-              <a:t> </a:t>
-            </a:r>
-            <a:r>
-              <a:rPr lang="en-US" altLang="zh-CN" dirty="0" smtClean="0"/>
+              <a:rPr lang="zh-CN" altLang="en-US" dirty="0"/>
+              <a:t> </a:t>
+            </a:r>
+            <a:r>
+              <a:rPr lang="en-US" altLang="zh-CN" dirty="0"/>
               <a:t>query</a:t>
             </a:r>
           </a:p>
@@ -6362,92 +6559,92 @@
               <a:t> </a:t>
             </a:r>
             <a:r>
-              <a:rPr lang="en-US" altLang="zh-CN" dirty="0" smtClean="0"/>
+              <a:rPr lang="en-US" altLang="zh-CN" dirty="0"/>
               <a:t>query</a:t>
             </a:r>
           </a:p>
           <a:p>
             <a:pPr lvl="1"/>
             <a:r>
-              <a:rPr lang="en-US" altLang="zh-CN" dirty="0" smtClean="0"/>
+              <a:rPr lang="en-US" altLang="zh-CN" dirty="0"/>
               <a:t>How</a:t>
             </a:r>
             <a:r>
-              <a:rPr lang="zh-CN" altLang="en-US" dirty="0" smtClean="0"/>
-              <a:t> </a:t>
-            </a:r>
-            <a:r>
-              <a:rPr lang="en-US" altLang="zh-CN" dirty="0" smtClean="0"/>
+              <a:rPr lang="zh-CN" altLang="en-US" dirty="0"/>
+              <a:t> </a:t>
+            </a:r>
+            <a:r>
+              <a:rPr lang="en-US" altLang="zh-CN" dirty="0"/>
               <a:t>to</a:t>
             </a:r>
             <a:r>
-              <a:rPr lang="zh-CN" altLang="en-US" dirty="0" smtClean="0"/>
-              <a:t> </a:t>
-            </a:r>
-            <a:r>
-              <a:rPr lang="en-US" altLang="zh-CN" dirty="0" smtClean="0"/>
+              <a:rPr lang="zh-CN" altLang="en-US" dirty="0"/>
+              <a:t> </a:t>
+            </a:r>
+            <a:r>
+              <a:rPr lang="en-US" altLang="zh-CN" dirty="0"/>
               <a:t>convert</a:t>
             </a:r>
             <a:r>
-              <a:rPr lang="zh-CN" altLang="en-US" dirty="0" smtClean="0"/>
-              <a:t> </a:t>
-            </a:r>
-            <a:r>
-              <a:rPr lang="en-US" altLang="zh-CN" dirty="0" smtClean="0"/>
+              <a:rPr lang="zh-CN" altLang="en-US" dirty="0"/>
+              <a:t> </a:t>
+            </a:r>
+            <a:r>
+              <a:rPr lang="en-US" altLang="zh-CN" dirty="0"/>
               <a:t>an</a:t>
             </a:r>
             <a:r>
-              <a:rPr lang="zh-CN" altLang="en-US" dirty="0" smtClean="0"/>
-              <a:t> </a:t>
-            </a:r>
-            <a:r>
-              <a:rPr lang="en-US" altLang="zh-CN" dirty="0" smtClean="0"/>
+              <a:rPr lang="zh-CN" altLang="en-US" dirty="0"/>
+              <a:t> </a:t>
+            </a:r>
+            <a:r>
+              <a:rPr lang="en-US" altLang="zh-CN" dirty="0"/>
               <a:t>SQL</a:t>
             </a:r>
             <a:r>
-              <a:rPr lang="zh-CN" altLang="en-US" dirty="0" smtClean="0"/>
-              <a:t> </a:t>
-            </a:r>
-            <a:r>
-              <a:rPr lang="en-US" altLang="zh-CN" dirty="0" smtClean="0"/>
+              <a:rPr lang="zh-CN" altLang="en-US" dirty="0"/>
+              <a:t> </a:t>
+            </a:r>
+            <a:r>
+              <a:rPr lang="en-US" altLang="zh-CN" dirty="0"/>
               <a:t>query</a:t>
             </a:r>
             <a:r>
-              <a:rPr lang="zh-CN" altLang="en-US" dirty="0" smtClean="0"/>
-              <a:t> </a:t>
-            </a:r>
-            <a:r>
-              <a:rPr lang="en-US" altLang="zh-CN" dirty="0" smtClean="0"/>
+              <a:rPr lang="zh-CN" altLang="en-US" dirty="0"/>
+              <a:t> </a:t>
+            </a:r>
+            <a:r>
+              <a:rPr lang="en-US" altLang="zh-CN" dirty="0"/>
               <a:t>to</a:t>
             </a:r>
             <a:r>
-              <a:rPr lang="zh-CN" altLang="en-US" dirty="0" smtClean="0"/>
-              <a:t> </a:t>
-            </a:r>
-            <a:r>
-              <a:rPr lang="en-US" altLang="zh-CN" dirty="0" smtClean="0"/>
+              <a:rPr lang="zh-CN" altLang="en-US" dirty="0"/>
+              <a:t> </a:t>
+            </a:r>
+            <a:r>
+              <a:rPr lang="en-US" altLang="zh-CN" dirty="0"/>
               <a:t>an</a:t>
             </a:r>
             <a:r>
-              <a:rPr lang="zh-CN" altLang="en-US" dirty="0" smtClean="0"/>
-              <a:t> </a:t>
-            </a:r>
-            <a:r>
-              <a:rPr lang="en-US" altLang="zh-CN" dirty="0" smtClean="0"/>
+              <a:rPr lang="zh-CN" altLang="en-US" dirty="0"/>
+              <a:t> </a:t>
+            </a:r>
+            <a:r>
+              <a:rPr lang="en-US" altLang="zh-CN" dirty="0"/>
               <a:t>RA</a:t>
             </a:r>
             <a:r>
-              <a:rPr lang="zh-CN" altLang="en-US" dirty="0" smtClean="0"/>
-              <a:t> </a:t>
-            </a:r>
-            <a:r>
-              <a:rPr lang="en-US" altLang="zh-CN" dirty="0" smtClean="0"/>
+              <a:rPr lang="zh-CN" altLang="en-US" dirty="0"/>
+              <a:t> </a:t>
+            </a:r>
+            <a:r>
+              <a:rPr lang="en-US" altLang="zh-CN" dirty="0"/>
               <a:t>query</a:t>
             </a:r>
           </a:p>
           <a:p>
             <a:r>
-              <a:rPr lang="en-US" altLang="zh-CN" dirty="0" smtClean="0"/>
+              <a:rPr lang="en-US" altLang="zh-CN" dirty="0"/>
               <a:t>Examples</a:t>
             </a:r>
           </a:p>
@@ -6457,70 +6654,70 @@
               <a:buAutoNum type="arabicPeriod"/>
             </a:pPr>
             <a:r>
-              <a:rPr lang="en-US" altLang="zh-CN" dirty="0" smtClean="0"/>
+              <a:rPr lang="en-US" altLang="zh-CN" dirty="0"/>
               <a:t>All</a:t>
             </a:r>
             <a:r>
-              <a:rPr lang="zh-CN" altLang="en-US" dirty="0" smtClean="0"/>
-              <a:t> </a:t>
-            </a:r>
-            <a:r>
-              <a:rPr lang="en-US" altLang="zh-CN" dirty="0" smtClean="0"/>
+              <a:rPr lang="zh-CN" altLang="en-US" dirty="0"/>
+              <a:t> </a:t>
+            </a:r>
+            <a:r>
+              <a:rPr lang="en-US" altLang="zh-CN" dirty="0"/>
               <a:t>students</a:t>
             </a:r>
             <a:r>
-              <a:rPr lang="zh-CN" altLang="en-US" dirty="0" smtClean="0"/>
-              <a:t> </a:t>
-            </a:r>
-            <a:r>
-              <a:rPr lang="en-US" altLang="zh-CN" dirty="0" smtClean="0"/>
+              <a:rPr lang="zh-CN" altLang="en-US" dirty="0"/>
+              <a:t> </a:t>
+            </a:r>
+            <a:r>
+              <a:rPr lang="en-US" altLang="zh-CN" dirty="0"/>
               <a:t>whose</a:t>
             </a:r>
             <a:r>
-              <a:rPr lang="zh-CN" altLang="en-US" dirty="0" smtClean="0"/>
-              <a:t> </a:t>
-            </a:r>
-            <a:r>
-              <a:rPr lang="en-US" altLang="zh-CN" dirty="0" smtClean="0"/>
+              <a:rPr lang="zh-CN" altLang="en-US" dirty="0"/>
+              <a:t> </a:t>
+            </a:r>
+            <a:r>
+              <a:rPr lang="en-US" altLang="zh-CN" dirty="0"/>
               <a:t>birth</a:t>
             </a:r>
             <a:r>
-              <a:rPr lang="zh-CN" altLang="en-US" dirty="0" smtClean="0"/>
-              <a:t> </a:t>
-            </a:r>
-            <a:r>
-              <a:rPr lang="en-US" altLang="zh-CN" dirty="0" smtClean="0"/>
+              <a:rPr lang="zh-CN" altLang="en-US" dirty="0"/>
+              <a:t> </a:t>
+            </a:r>
+            <a:r>
+              <a:rPr lang="en-US" altLang="zh-CN" dirty="0"/>
               <a:t>is</a:t>
             </a:r>
             <a:r>
-              <a:rPr lang="zh-CN" altLang="en-US" dirty="0" smtClean="0"/>
-              <a:t> </a:t>
-            </a:r>
-            <a:r>
-              <a:rPr lang="en-US" altLang="zh-CN" dirty="0" smtClean="0"/>
+              <a:rPr lang="zh-CN" altLang="en-US" dirty="0"/>
+              <a:t> </a:t>
+            </a:r>
+            <a:r>
+              <a:rPr lang="en-US" altLang="zh-CN" dirty="0"/>
               <a:t>larger</a:t>
             </a:r>
             <a:r>
-              <a:rPr lang="zh-CN" altLang="en-US" dirty="0" smtClean="0"/>
-              <a:t> </a:t>
-            </a:r>
-            <a:r>
-              <a:rPr lang="en-US" altLang="zh-CN" dirty="0" smtClean="0"/>
+              <a:rPr lang="zh-CN" altLang="en-US" dirty="0"/>
+              <a:t> </a:t>
+            </a:r>
+            <a:r>
+              <a:rPr lang="en-US" altLang="zh-CN" dirty="0"/>
               <a:t>than</a:t>
             </a:r>
             <a:r>
-              <a:rPr lang="zh-CN" altLang="en-US" dirty="0" smtClean="0"/>
-              <a:t> </a:t>
-            </a:r>
-            <a:r>
-              <a:rPr lang="en-US" altLang="zh-CN" dirty="0" smtClean="0"/>
+              <a:rPr lang="zh-CN" altLang="en-US" dirty="0"/>
+              <a:t> </a:t>
+            </a:r>
+            <a:r>
+              <a:rPr lang="en-US" altLang="zh-CN" dirty="0"/>
               <a:t>1995</a:t>
             </a:r>
           </a:p>
           <a:p>
             <a:pPr lvl="2"/>
             <a:r>
-              <a:rPr lang="en-US" dirty="0" smtClean="0">
+              <a:rPr lang="en-US" dirty="0">
                 <a:sym typeface="Symbol" pitchFamily="18" charset="2"/>
               </a:rPr>
               <a:t></a:t>
@@ -6534,30 +6731,29 @@
               <a:t> </a:t>
             </a:r>
             <a:r>
-              <a:rPr lang="en-US" altLang="zh-CN" baseline="-25000" dirty="0" smtClean="0"/>
+              <a:rPr lang="en-US" altLang="zh-CN" baseline="-25000" dirty="0"/>
               <a:t>&gt;</a:t>
             </a:r>
             <a:r>
-              <a:rPr lang="en-US" baseline="-25000" dirty="0" smtClean="0"/>
+              <a:rPr lang="en-US" baseline="-25000" dirty="0"/>
               <a:t> 19</a:t>
             </a:r>
             <a:r>
-              <a:rPr lang="en-US" altLang="zh-CN" baseline="-25000" dirty="0" smtClean="0"/>
+              <a:rPr lang="en-US" altLang="zh-CN" baseline="-25000" dirty="0"/>
               <a:t>95</a:t>
             </a:r>
             <a:r>
-              <a:rPr lang="en-US" dirty="0" smtClean="0"/>
+              <a:rPr lang="en-US" dirty="0"/>
               <a:t>(</a:t>
             </a:r>
             <a:r>
-              <a:rPr lang="en-US" altLang="zh-CN" dirty="0" smtClean="0"/>
+              <a:rPr lang="en-US" altLang="zh-CN" dirty="0"/>
               <a:t>Student</a:t>
             </a:r>
             <a:r>
-              <a:rPr lang="en-US" dirty="0" smtClean="0"/>
+              <a:rPr lang="en-US" dirty="0"/>
               <a:t>)</a:t>
             </a:r>
-            <a:endParaRPr lang="en-US" dirty="0"/>
           </a:p>
           <a:p>
             <a:pPr marL="914400" lvl="1" indent="-457200">
@@ -6568,27 +6764,27 @@
               <a:buAutoNum type="arabicPeriod"/>
             </a:pPr>
             <a:r>
-              <a:rPr lang="en-US" altLang="zh-CN" dirty="0" smtClean="0"/>
+              <a:rPr lang="en-US" altLang="zh-CN" dirty="0"/>
               <a:t>Optimize</a:t>
             </a:r>
             <a:r>
-              <a:rPr lang="zh-CN" altLang="en-US" dirty="0" smtClean="0"/>
-              <a:t> </a:t>
-            </a:r>
-            <a:r>
-              <a:rPr lang="en-US" altLang="zh-CN" dirty="0" smtClean="0"/>
+              <a:rPr lang="zh-CN" altLang="en-US" dirty="0"/>
+              <a:t> </a:t>
+            </a:r>
+            <a:r>
+              <a:rPr lang="en-US" altLang="zh-CN" dirty="0"/>
               <a:t>this</a:t>
             </a:r>
             <a:r>
-              <a:rPr lang="zh-CN" altLang="en-US" dirty="0" smtClean="0"/>
-              <a:t> </a:t>
-            </a:r>
-            <a:r>
-              <a:rPr lang="en-US" altLang="zh-CN" dirty="0" smtClean="0"/>
+              <a:rPr lang="zh-CN" altLang="en-US" dirty="0"/>
+              <a:t> </a:t>
+            </a:r>
+            <a:r>
+              <a:rPr lang="en-US" altLang="zh-CN" dirty="0"/>
               <a:t>query</a:t>
             </a:r>
             <a:r>
-              <a:rPr lang="zh-CN" altLang="en-US" dirty="0" smtClean="0"/>
+              <a:rPr lang="zh-CN" altLang="en-US" dirty="0"/>
               <a:t> </a:t>
             </a:r>
             <a:r>
@@ -6635,19 +6831,13 @@
               <a:rPr lang="is-IS" sz="2000" dirty="0">
                 <a:latin typeface="GillSans" charset="0"/>
               </a:rPr>
-              <a:t>S</a:t>
-            </a:r>
-            <a:r>
-              <a:rPr lang="is-IS" sz="2000" dirty="0" smtClean="0">
-                <a:latin typeface="GillSans" charset="0"/>
-              </a:rPr>
-              <a:t>)</a:t>
+              <a:t>S)</a:t>
             </a:r>
           </a:p>
           <a:p>
             <a:pPr lvl="2"/>
             <a:r>
-              <a:rPr lang="is-IS" dirty="0" smtClean="0">
+              <a:rPr lang="is-IS" dirty="0">
                 <a:latin typeface="Calibri" charset="0"/>
               </a:rPr>
               <a:t>σ</a:t>
@@ -6693,7 +6883,7 @@
               <a:t>   </a:t>
             </a:r>
             <a:r>
-              <a:rPr lang="is-IS" dirty="0" smtClean="0">
+              <a:rPr lang="is-IS" dirty="0">
                 <a:latin typeface="GillSans" charset="0"/>
               </a:rPr>
               <a:t>S</a:t>
@@ -6708,19 +6898,19 @@
               <a:buAutoNum type="arabicPeriod"/>
             </a:pPr>
             <a:r>
-              <a:rPr lang="en-US" altLang="zh-CN" dirty="0" smtClean="0"/>
+              <a:rPr lang="en-US" altLang="zh-CN" dirty="0"/>
               <a:t>Convert</a:t>
             </a:r>
             <a:r>
-              <a:rPr lang="zh-CN" altLang="en-US" dirty="0" smtClean="0"/>
-              <a:t> </a:t>
-            </a:r>
-            <a:r>
-              <a:rPr lang="en-US" altLang="zh-CN" dirty="0" smtClean="0"/>
+              <a:rPr lang="zh-CN" altLang="en-US" dirty="0"/>
+              <a:t> </a:t>
+            </a:r>
+            <a:r>
+              <a:rPr lang="en-US" altLang="zh-CN" dirty="0"/>
               <a:t>“</a:t>
             </a:r>
             <a:r>
-              <a:rPr lang="en-US" altLang="zh-CN" dirty="0" smtClean="0">
+              <a:rPr lang="en-US" altLang="zh-CN" dirty="0">
                 <a:latin typeface="Times New Roman" charset="0"/>
                 <a:ea typeface="Times New Roman" charset="0"/>
                 <a:cs typeface="Times New Roman" charset="0"/>
@@ -6728,7 +6918,7 @@
               <a:t>SELECT</a:t>
             </a:r>
             <a:r>
-              <a:rPr lang="zh-CN" altLang="en-US" dirty="0" smtClean="0">
+              <a:rPr lang="zh-CN" altLang="en-US" dirty="0">
                 <a:latin typeface="Times New Roman" charset="0"/>
                 <a:ea typeface="Times New Roman" charset="0"/>
                 <a:cs typeface="Times New Roman" charset="0"/>
@@ -6736,7 +6926,7 @@
               <a:t> </a:t>
             </a:r>
             <a:r>
-              <a:rPr lang="en-US" altLang="zh-CN" dirty="0" smtClean="0">
+              <a:rPr lang="en-US" altLang="zh-CN" dirty="0">
                 <a:latin typeface="Times New Roman" charset="0"/>
                 <a:ea typeface="Times New Roman" charset="0"/>
                 <a:cs typeface="Times New Roman" charset="0"/>
@@ -6744,7 +6934,7 @@
               <a:t>name</a:t>
             </a:r>
             <a:r>
-              <a:rPr lang="zh-CN" altLang="en-US" dirty="0" smtClean="0">
+              <a:rPr lang="zh-CN" altLang="en-US" dirty="0">
                 <a:latin typeface="Times New Roman" charset="0"/>
                 <a:ea typeface="Times New Roman" charset="0"/>
                 <a:cs typeface="Times New Roman" charset="0"/>
@@ -6752,7 +6942,7 @@
               <a:t> </a:t>
             </a:r>
             <a:r>
-              <a:rPr lang="en-US" altLang="zh-CN" dirty="0" smtClean="0">
+              <a:rPr lang="en-US" altLang="zh-CN" dirty="0">
                 <a:latin typeface="Times New Roman" charset="0"/>
                 <a:ea typeface="Times New Roman" charset="0"/>
                 <a:cs typeface="Times New Roman" charset="0"/>
@@ -6760,7 +6950,7 @@
               <a:t>FROM</a:t>
             </a:r>
             <a:r>
-              <a:rPr lang="zh-CN" altLang="en-US" dirty="0" smtClean="0">
+              <a:rPr lang="zh-CN" altLang="en-US" dirty="0">
                 <a:latin typeface="Times New Roman" charset="0"/>
                 <a:ea typeface="Times New Roman" charset="0"/>
                 <a:cs typeface="Times New Roman" charset="0"/>
@@ -6768,7 +6958,7 @@
               <a:t> </a:t>
             </a:r>
             <a:r>
-              <a:rPr lang="en-US" altLang="zh-CN" dirty="0" smtClean="0">
+              <a:rPr lang="en-US" altLang="zh-CN" dirty="0">
                 <a:latin typeface="Times New Roman" charset="0"/>
                 <a:ea typeface="Times New Roman" charset="0"/>
                 <a:cs typeface="Times New Roman" charset="0"/>
@@ -6776,46 +6966,46 @@
               <a:t>student</a:t>
             </a:r>
             <a:r>
-              <a:rPr lang="en-US" altLang="zh-CN" dirty="0" smtClean="0"/>
+              <a:rPr lang="en-US" altLang="zh-CN" dirty="0"/>
               <a:t>”</a:t>
             </a:r>
             <a:r>
-              <a:rPr lang="zh-CN" altLang="en-US" dirty="0" smtClean="0"/>
-              <a:t> </a:t>
-            </a:r>
-            <a:r>
-              <a:rPr lang="en-US" altLang="zh-CN" dirty="0" smtClean="0"/>
+              <a:rPr lang="zh-CN" altLang="en-US" dirty="0"/>
+              <a:t> </a:t>
+            </a:r>
+            <a:r>
+              <a:rPr lang="en-US" altLang="zh-CN" dirty="0"/>
               <a:t>to</a:t>
             </a:r>
             <a:r>
-              <a:rPr lang="zh-CN" altLang="en-US" dirty="0" smtClean="0"/>
-              <a:t> </a:t>
-            </a:r>
-            <a:r>
-              <a:rPr lang="en-US" altLang="zh-CN" dirty="0" smtClean="0"/>
+              <a:rPr lang="zh-CN" altLang="en-US" dirty="0"/>
+              <a:t> </a:t>
+            </a:r>
+            <a:r>
+              <a:rPr lang="en-US" altLang="zh-CN" dirty="0"/>
               <a:t>an</a:t>
             </a:r>
             <a:r>
-              <a:rPr lang="zh-CN" altLang="en-US" dirty="0" smtClean="0"/>
-              <a:t> </a:t>
-            </a:r>
-            <a:r>
-              <a:rPr lang="en-US" altLang="zh-CN" dirty="0" smtClean="0"/>
+              <a:rPr lang="zh-CN" altLang="en-US" dirty="0"/>
+              <a:t> </a:t>
+            </a:r>
+            <a:r>
+              <a:rPr lang="en-US" altLang="zh-CN" dirty="0"/>
               <a:t>RA</a:t>
             </a:r>
             <a:r>
-              <a:rPr lang="zh-CN" altLang="en-US" dirty="0" smtClean="0"/>
-              <a:t> </a:t>
-            </a:r>
-            <a:r>
-              <a:rPr lang="en-US" altLang="zh-CN" dirty="0" smtClean="0"/>
+              <a:rPr lang="zh-CN" altLang="en-US" dirty="0"/>
+              <a:t> </a:t>
+            </a:r>
+            <a:r>
+              <a:rPr lang="en-US" altLang="zh-CN" dirty="0"/>
               <a:t>query</a:t>
             </a:r>
           </a:p>
           <a:p>
             <a:pPr lvl="2"/>
             <a:r>
-              <a:rPr lang="is-IS" dirty="0" smtClean="0">
+              <a:rPr lang="is-IS" dirty="0">
                 <a:solidFill>
                   <a:prstClr val="black"/>
                 </a:solidFill>
@@ -6824,7 +7014,7 @@
               <a:t>π</a:t>
             </a:r>
             <a:r>
-              <a:rPr lang="is-IS" baseline="-25000" dirty="0" smtClean="0">
+              <a:rPr lang="is-IS" baseline="-25000" dirty="0">
                 <a:solidFill>
                   <a:prstClr val="black"/>
                 </a:solidFill>
@@ -6833,25 +7023,25 @@
               <a:t>name</a:t>
             </a:r>
             <a:r>
-              <a:rPr lang="is-IS" baseline="-25000" dirty="0" smtClean="0">
+              <a:rPr lang="is-IS" baseline="-25000" dirty="0">
                 <a:latin typeface="LucidaGrande" charset="0"/>
               </a:rPr>
               <a:t> </a:t>
             </a:r>
             <a:r>
-              <a:rPr lang="is-IS" dirty="0" smtClean="0">
+              <a:rPr lang="is-IS" dirty="0">
                 <a:latin typeface="LucidaGrande" charset="0"/>
               </a:rPr>
               <a:t>(</a:t>
             </a:r>
             <a:r>
-              <a:rPr lang="en-US" altLang="zh-CN" dirty="0" smtClean="0">
+              <a:rPr lang="en-US" altLang="zh-CN" dirty="0">
                 <a:latin typeface="LucidaGrande" charset="0"/>
               </a:rPr>
               <a:t>Student</a:t>
             </a:r>
             <a:r>
-              <a:rPr lang="is-IS" dirty="0" smtClean="0">
+              <a:rPr lang="is-IS" dirty="0">
                 <a:latin typeface="LucidaGrande" charset="0"/>
               </a:rPr>
               <a:t>)</a:t>
@@ -6869,7 +7059,7 @@
           </a:p>
           <a:p>
             <a:pPr lvl="1"/>
-            <a:endParaRPr lang="en-US" dirty="0" smtClean="0"/>
+            <a:endParaRPr lang="en-US" dirty="0"/>
           </a:p>
           <a:p>
             <a:pPr marL="914400" lvl="1" indent="-457200">
@@ -7078,15 +7268,33 @@
                                   </p:childTnLst>
                                 </p:cTn>
                               </p:par>
+                            </p:childTnLst>
+                          </p:cTn>
+                        </p:par>
+                      </p:childTnLst>
+                    </p:cTn>
+                  </p:par>
+                  <p:par>
+                    <p:cTn id="15" fill="hold">
+                      <p:stCondLst>
+                        <p:cond delay="indefinite"/>
+                      </p:stCondLst>
+                      <p:childTnLst>
+                        <p:par>
+                          <p:cTn id="16" fill="hold">
+                            <p:stCondLst>
+                              <p:cond delay="0"/>
+                            </p:stCondLst>
+                            <p:childTnLst>
                               <p:par>
-                                <p:cTn id="15" presetID="1" presetClass="entr" presetSubtype="0" fill="hold" nodeType="withEffect">
+                                <p:cTn id="17" presetID="1" presetClass="entr" presetSubtype="0" fill="hold" nodeType="clickEffect">
                                   <p:stCondLst>
                                     <p:cond delay="0"/>
                                   </p:stCondLst>
                                   <p:childTnLst>
                                     <p:set>
                                       <p:cBhvr>
-                                        <p:cTn id="16" dur="1" fill="hold">
+                                        <p:cTn id="18" dur="1" fill="hold">
                                           <p:stCondLst>
                                             <p:cond delay="0"/>
                                           </p:stCondLst>
@@ -7116,26 +7324,26 @@
                     </p:cTn>
                   </p:par>
                   <p:par>
-                    <p:cTn id="17" fill="hold">
+                    <p:cTn id="19" fill="hold">
                       <p:stCondLst>
                         <p:cond delay="indefinite"/>
                       </p:stCondLst>
                       <p:childTnLst>
                         <p:par>
-                          <p:cTn id="18" fill="hold">
+                          <p:cTn id="20" fill="hold">
                             <p:stCondLst>
                               <p:cond delay="0"/>
                             </p:stCondLst>
                             <p:childTnLst>
                               <p:par>
-                                <p:cTn id="19" presetID="1" presetClass="entr" presetSubtype="0" fill="hold" nodeType="clickEffect">
+                                <p:cTn id="21" presetID="1" presetClass="entr" presetSubtype="0" fill="hold" nodeType="clickEffect">
                                   <p:stCondLst>
                                     <p:cond delay="0"/>
                                   </p:stCondLst>
                                   <p:childTnLst>
                                     <p:set>
                                       <p:cBhvr>
-                                        <p:cTn id="20" dur="1" fill="hold">
+                                        <p:cTn id="22" dur="1" fill="hold">
                                           <p:stCondLst>
                                             <p:cond delay="0"/>
                                           </p:stCondLst>
@@ -7165,50 +7373,19 @@
                     </p:cTn>
                   </p:par>
                   <p:par>
-                    <p:cTn id="21" fill="hold">
+                    <p:cTn id="23" fill="hold">
                       <p:stCondLst>
                         <p:cond delay="indefinite"/>
                       </p:stCondLst>
                       <p:childTnLst>
                         <p:par>
-                          <p:cTn id="22" fill="hold">
+                          <p:cTn id="24" fill="hold">
                             <p:stCondLst>
                               <p:cond delay="0"/>
                             </p:stCondLst>
                             <p:childTnLst>
                               <p:par>
-                                <p:cTn id="23" presetID="1" presetClass="entr" presetSubtype="0" fill="hold" nodeType="clickEffect">
-                                  <p:stCondLst>
-                                    <p:cond delay="0"/>
-                                  </p:stCondLst>
-                                  <p:childTnLst>
-                                    <p:set>
-                                      <p:cBhvr>
-                                        <p:cTn id="24" dur="1" fill="hold">
-                                          <p:stCondLst>
-                                            <p:cond delay="0"/>
-                                          </p:stCondLst>
-                                        </p:cTn>
-                                        <p:tgtEl>
-                                          <p:spTgt spid="3">
-                                            <p:txEl>
-                                              <p:pRg st="7" end="7"/>
-                                            </p:txEl>
-                                          </p:spTgt>
-                                        </p:tgtEl>
-                                        <p:attrNameLst>
-                                          <p:attrName>style.visibility</p:attrName>
-                                        </p:attrNameLst>
-                                      </p:cBhvr>
-                                      <p:to>
-                                        <p:strVal val="visible"/>
-                                      </p:to>
-                                    </p:set>
-                                  </p:childTnLst>
-                                </p:cTn>
-                              </p:par>
-                              <p:par>
-                                <p:cTn id="25" presetID="1" presetClass="entr" presetSubtype="0" fill="hold" nodeType="withEffect">
+                                <p:cTn id="25" presetID="1" presetClass="entr" presetSubtype="0" fill="hold" nodeType="clickEffect">
                                   <p:stCondLst>
                                     <p:cond delay="0"/>
                                   </p:stCondLst>
@@ -7223,7 +7400,7 @@
                                         <p:tgtEl>
                                           <p:spTgt spid="3">
                                             <p:txEl>
-                                              <p:pRg st="8" end="8"/>
+                                              <p:pRg st="7" end="7"/>
                                             </p:txEl>
                                           </p:spTgt>
                                         </p:tgtEl>
@@ -7272,7 +7449,7 @@
                                         <p:tgtEl>
                                           <p:spTgt spid="3">
                                             <p:txEl>
-                                              <p:pRg st="3" end="3"/>
+                                              <p:pRg st="8" end="8"/>
                                             </p:txEl>
                                           </p:spTgt>
                                         </p:tgtEl>
@@ -7321,6 +7498,55 @@
                                         <p:tgtEl>
                                           <p:spTgt spid="3">
                                             <p:txEl>
+                                              <p:pRg st="3" end="3"/>
+                                            </p:txEl>
+                                          </p:spTgt>
+                                        </p:tgtEl>
+                                        <p:attrNameLst>
+                                          <p:attrName>style.visibility</p:attrName>
+                                        </p:attrNameLst>
+                                      </p:cBhvr>
+                                      <p:to>
+                                        <p:strVal val="visible"/>
+                                      </p:to>
+                                    </p:set>
+                                  </p:childTnLst>
+                                </p:cTn>
+                              </p:par>
+                            </p:childTnLst>
+                          </p:cTn>
+                        </p:par>
+                      </p:childTnLst>
+                    </p:cTn>
+                  </p:par>
+                  <p:par>
+                    <p:cTn id="35" fill="hold">
+                      <p:stCondLst>
+                        <p:cond delay="indefinite"/>
+                      </p:stCondLst>
+                      <p:childTnLst>
+                        <p:par>
+                          <p:cTn id="36" fill="hold">
+                            <p:stCondLst>
+                              <p:cond delay="0"/>
+                            </p:stCondLst>
+                            <p:childTnLst>
+                              <p:par>
+                                <p:cTn id="37" presetID="1" presetClass="entr" presetSubtype="0" fill="hold" nodeType="clickEffect">
+                                  <p:stCondLst>
+                                    <p:cond delay="0"/>
+                                  </p:stCondLst>
+                                  <p:childTnLst>
+                                    <p:set>
+                                      <p:cBhvr>
+                                        <p:cTn id="38" dur="1" fill="hold">
+                                          <p:stCondLst>
+                                            <p:cond delay="0"/>
+                                          </p:stCondLst>
+                                        </p:cTn>
+                                        <p:tgtEl>
+                                          <p:spTgt spid="3">
+                                            <p:txEl>
                                               <p:pRg st="9" end="9"/>
                                             </p:txEl>
                                           </p:spTgt>
@@ -7336,15 +7562,33 @@
                                   </p:childTnLst>
                                 </p:cTn>
                               </p:par>
+                            </p:childTnLst>
+                          </p:cTn>
+                        </p:par>
+                      </p:childTnLst>
+                    </p:cTn>
+                  </p:par>
+                  <p:par>
+                    <p:cTn id="39" fill="hold">
+                      <p:stCondLst>
+                        <p:cond delay="indefinite"/>
+                      </p:stCondLst>
+                      <p:childTnLst>
+                        <p:par>
+                          <p:cTn id="40" fill="hold">
+                            <p:stCondLst>
+                              <p:cond delay="0"/>
+                            </p:stCondLst>
+                            <p:childTnLst>
                               <p:par>
-                                <p:cTn id="35" presetID="1" presetClass="entr" presetSubtype="0" fill="hold" nodeType="withEffect">
+                                <p:cTn id="41" presetID="1" presetClass="entr" presetSubtype="0" fill="hold" nodeType="clickEffect">
                                   <p:stCondLst>
                                     <p:cond delay="0"/>
                                   </p:stCondLst>
                                   <p:childTnLst>
                                     <p:set>
                                       <p:cBhvr>
-                                        <p:cTn id="36" dur="1" fill="hold">
+                                        <p:cTn id="42" dur="1" fill="hold">
                                           <p:stCondLst>
                                             <p:cond delay="0"/>
                                           </p:stCondLst>
@@ -7431,31 +7675,31 @@
           <a:lstStyle/>
           <a:p>
             <a:r>
-              <a:rPr lang="en-US" altLang="zh-CN" dirty="0" smtClean="0"/>
+              <a:rPr lang="en-US" altLang="zh-CN" dirty="0"/>
               <a:t>Query</a:t>
             </a:r>
             <a:r>
-              <a:rPr lang="zh-CN" altLang="en-US" dirty="0" smtClean="0"/>
-              <a:t> </a:t>
-            </a:r>
-            <a:r>
-              <a:rPr lang="en-US" altLang="zh-CN" dirty="0" smtClean="0"/>
+              <a:rPr lang="zh-CN" altLang="en-US" dirty="0"/>
+              <a:t> </a:t>
+            </a:r>
+            <a:r>
+              <a:rPr lang="en-US" altLang="zh-CN" dirty="0"/>
               <a:t>Processing</a:t>
             </a:r>
             <a:r>
-              <a:rPr lang="zh-CN" altLang="en-US" dirty="0" smtClean="0"/>
-              <a:t> </a:t>
-            </a:r>
-            <a:r>
-              <a:rPr lang="en-US" altLang="zh-CN" dirty="0" smtClean="0"/>
+              <a:rPr lang="zh-CN" altLang="en-US" dirty="0"/>
+              <a:t> </a:t>
+            </a:r>
+            <a:r>
+              <a:rPr lang="en-US" altLang="zh-CN" dirty="0"/>
               <a:t>and</a:t>
             </a:r>
             <a:r>
-              <a:rPr lang="zh-CN" altLang="en-US" dirty="0" smtClean="0"/>
-              <a:t> </a:t>
-            </a:r>
-            <a:r>
-              <a:rPr lang="en-US" altLang="zh-CN" dirty="0" smtClean="0"/>
+              <a:rPr lang="zh-CN" altLang="en-US" dirty="0"/>
+              <a:t> </a:t>
+            </a:r>
+            <a:r>
+              <a:rPr lang="en-US" altLang="zh-CN" dirty="0"/>
               <a:t>Indexing</a:t>
             </a:r>
             <a:endParaRPr lang="en-US" dirty="0"/>
@@ -7509,7 +7753,7 @@
               <a:t> </a:t>
             </a:r>
             <a:r>
-              <a:rPr lang="en-US" altLang="zh-CN" dirty="0" smtClean="0"/>
+              <a:rPr lang="en-US" altLang="zh-CN" dirty="0"/>
               <a:t>know</a:t>
             </a:r>
             <a:endParaRPr lang="en-US" altLang="zh-CN" b="1" dirty="0"/>
@@ -7517,54 +7761,54 @@
           <a:p>
             <a:pPr lvl="1"/>
             <a:r>
-              <a:rPr lang="en-US" altLang="zh-CN" dirty="0" smtClean="0"/>
+              <a:rPr lang="en-US" altLang="zh-CN" dirty="0"/>
               <a:t>Query</a:t>
             </a:r>
             <a:r>
-              <a:rPr lang="zh-CN" altLang="en-US" dirty="0" smtClean="0"/>
-              <a:t> </a:t>
-            </a:r>
-            <a:r>
-              <a:rPr lang="en-US" altLang="zh-CN" dirty="0" smtClean="0"/>
+              <a:rPr lang="zh-CN" altLang="en-US" dirty="0"/>
+              <a:t> </a:t>
+            </a:r>
+            <a:r>
+              <a:rPr lang="en-US" altLang="zh-CN" dirty="0"/>
               <a:t>Processing</a:t>
             </a:r>
             <a:r>
-              <a:rPr lang="zh-CN" altLang="en-US" dirty="0" smtClean="0"/>
-              <a:t> </a:t>
-            </a:r>
-            <a:r>
-              <a:rPr lang="en-US" altLang="zh-CN" dirty="0" smtClean="0"/>
+              <a:rPr lang="zh-CN" altLang="en-US" dirty="0"/>
+              <a:t> </a:t>
+            </a:r>
+            <a:r>
+              <a:rPr lang="en-US" altLang="zh-CN" dirty="0"/>
               <a:t>Steps</a:t>
             </a:r>
           </a:p>
           <a:p>
             <a:pPr lvl="1"/>
             <a:r>
-              <a:rPr lang="en-US" altLang="zh-CN" dirty="0" smtClean="0"/>
+              <a:rPr lang="en-US" altLang="zh-CN" dirty="0"/>
               <a:t>Which</a:t>
             </a:r>
             <a:r>
-              <a:rPr lang="zh-CN" altLang="en-US" dirty="0" smtClean="0"/>
-              <a:t> </a:t>
-            </a:r>
-            <a:r>
-              <a:rPr lang="en-US" altLang="zh-CN" dirty="0" smtClean="0"/>
+              <a:rPr lang="zh-CN" altLang="en-US" dirty="0"/>
+              <a:t> </a:t>
+            </a:r>
+            <a:r>
+              <a:rPr lang="en-US" altLang="zh-CN" dirty="0"/>
               <a:t>index</a:t>
             </a:r>
             <a:r>
-              <a:rPr lang="zh-CN" altLang="en-US" dirty="0" smtClean="0"/>
-              <a:t> </a:t>
-            </a:r>
-            <a:r>
-              <a:rPr lang="en-US" altLang="zh-CN" dirty="0" smtClean="0"/>
+              <a:rPr lang="zh-CN" altLang="en-US" dirty="0"/>
+              <a:t> </a:t>
+            </a:r>
+            <a:r>
+              <a:rPr lang="en-US" altLang="zh-CN" dirty="0"/>
               <a:t>is</a:t>
             </a:r>
             <a:r>
-              <a:rPr lang="zh-CN" altLang="en-US" dirty="0" smtClean="0"/>
-              <a:t> </a:t>
-            </a:r>
-            <a:r>
-              <a:rPr lang="en-US" altLang="zh-CN" dirty="0" smtClean="0"/>
+              <a:rPr lang="zh-CN" altLang="en-US" dirty="0"/>
+              <a:t> </a:t>
+            </a:r>
+            <a:r>
+              <a:rPr lang="en-US" altLang="zh-CN" dirty="0"/>
               <a:t>better/useful?</a:t>
             </a:r>
           </a:p>
@@ -7574,153 +7818,144 @@
           </a:p>
           <a:p>
             <a:r>
-              <a:rPr lang="en-US" altLang="zh-CN" dirty="0" smtClean="0"/>
+              <a:rPr lang="en-US" altLang="zh-CN" dirty="0"/>
               <a:t>Examples</a:t>
             </a:r>
           </a:p>
           <a:p>
             <a:pPr lvl="1"/>
             <a:r>
-              <a:rPr lang="en-US" altLang="zh-CN" dirty="0" smtClean="0"/>
+              <a:rPr lang="en-US" altLang="zh-CN" dirty="0"/>
               <a:t>What</a:t>
             </a:r>
             <a:r>
-              <a:rPr lang="zh-CN" altLang="en-US" dirty="0" smtClean="0"/>
-              <a:t> </a:t>
-            </a:r>
-            <a:r>
-              <a:rPr lang="en-US" altLang="zh-CN" dirty="0" smtClean="0"/>
+              <a:rPr lang="zh-CN" altLang="en-US" dirty="0"/>
+              <a:t> </a:t>
+            </a:r>
+            <a:r>
+              <a:rPr lang="en-US" altLang="zh-CN" dirty="0"/>
               <a:t>does</a:t>
             </a:r>
             <a:r>
-              <a:rPr lang="zh-CN" altLang="en-US" dirty="0" smtClean="0"/>
-              <a:t> </a:t>
-            </a:r>
-            <a:r>
-              <a:rPr lang="en-US" altLang="zh-CN" dirty="0" smtClean="0"/>
+              <a:rPr lang="zh-CN" altLang="en-US" dirty="0"/>
+              <a:t> </a:t>
+            </a:r>
+            <a:r>
+              <a:rPr lang="en-US" altLang="zh-CN" dirty="0"/>
               <a:t>SQL</a:t>
             </a:r>
             <a:r>
-              <a:rPr lang="zh-CN" altLang="en-US" dirty="0" smtClean="0"/>
-              <a:t> </a:t>
-            </a:r>
-            <a:r>
-              <a:rPr lang="en-US" altLang="zh-CN" dirty="0"/>
-              <a:t>P</a:t>
-            </a:r>
-            <a:r>
-              <a:rPr lang="en-US" altLang="zh-CN" dirty="0" smtClean="0"/>
-              <a:t>arser</a:t>
-            </a:r>
-            <a:r>
-              <a:rPr lang="zh-CN" altLang="en-US" dirty="0" smtClean="0"/>
-              <a:t> </a:t>
-            </a:r>
-            <a:r>
-              <a:rPr lang="en-US" altLang="zh-CN" dirty="0" smtClean="0"/>
+              <a:rPr lang="zh-CN" altLang="en-US" dirty="0"/>
+              <a:t> </a:t>
+            </a:r>
+            <a:r>
+              <a:rPr lang="en-US" altLang="zh-CN" dirty="0"/>
+              <a:t>Parser</a:t>
+            </a:r>
+            <a:r>
+              <a:rPr lang="zh-CN" altLang="en-US" dirty="0"/>
+              <a:t> </a:t>
+            </a:r>
+            <a:r>
+              <a:rPr lang="en-US" altLang="zh-CN" dirty="0"/>
               <a:t>do?</a:t>
             </a:r>
           </a:p>
           <a:p>
             <a:pPr lvl="2"/>
             <a:r>
-              <a:rPr lang="en-US" altLang="zh-CN" dirty="0" smtClean="0"/>
+              <a:rPr lang="en-US" altLang="zh-CN" dirty="0"/>
               <a:t>Convert</a:t>
             </a:r>
             <a:r>
-              <a:rPr lang="zh-CN" altLang="en-US" dirty="0" smtClean="0"/>
-              <a:t> </a:t>
-            </a:r>
-            <a:r>
-              <a:rPr lang="en-US" dirty="0" smtClean="0"/>
-              <a:t>the </a:t>
+              <a:rPr lang="zh-CN" altLang="en-US" dirty="0"/>
+              <a:t> </a:t>
             </a:r>
             <a:r>
               <a:rPr lang="en-US" dirty="0"/>
-              <a:t>input SQL text to a logical plan </a:t>
-            </a:r>
-            <a:endParaRPr lang="en-US" dirty="0" smtClean="0"/>
+              <a:t>the input SQL text to a logical plan </a:t>
+            </a:r>
           </a:p>
           <a:p>
             <a:pPr lvl="2"/>
-            <a:endParaRPr lang="en-US" altLang="zh-CN" dirty="0" smtClean="0"/>
+            <a:endParaRPr lang="en-US" altLang="zh-CN" dirty="0"/>
           </a:p>
           <a:p>
             <a:pPr lvl="1"/>
             <a:r>
-              <a:rPr lang="en-US" altLang="zh-CN" dirty="0" smtClean="0"/>
+              <a:rPr lang="en-US" altLang="zh-CN" dirty="0"/>
               <a:t>Can</a:t>
             </a:r>
             <a:r>
-              <a:rPr lang="zh-CN" altLang="en-US" dirty="0" smtClean="0"/>
-              <a:t> </a:t>
-            </a:r>
-            <a:r>
-              <a:rPr lang="en-US" altLang="zh-CN" dirty="0" smtClean="0"/>
+              <a:rPr lang="zh-CN" altLang="en-US" dirty="0"/>
+              <a:t> </a:t>
+            </a:r>
+            <a:r>
+              <a:rPr lang="en-US" altLang="zh-CN" dirty="0"/>
               <a:t>the</a:t>
             </a:r>
             <a:r>
-              <a:rPr lang="zh-CN" altLang="en-US" dirty="0" smtClean="0"/>
-              <a:t> </a:t>
-            </a:r>
-            <a:r>
-              <a:rPr lang="en-US" altLang="zh-CN" dirty="0" smtClean="0"/>
+              <a:rPr lang="zh-CN" altLang="en-US" dirty="0"/>
+              <a:t> </a:t>
+            </a:r>
+            <a:r>
+              <a:rPr lang="en-US" altLang="zh-CN" dirty="0"/>
               <a:t>following</a:t>
             </a:r>
             <a:r>
-              <a:rPr lang="zh-CN" altLang="en-US" dirty="0" smtClean="0"/>
-              <a:t> </a:t>
-            </a:r>
-            <a:r>
-              <a:rPr lang="en-US" altLang="zh-CN" dirty="0" smtClean="0"/>
+              <a:rPr lang="zh-CN" altLang="en-US" dirty="0"/>
+              <a:t> </a:t>
+            </a:r>
+            <a:r>
+              <a:rPr lang="en-US" altLang="zh-CN" dirty="0"/>
               <a:t>index</a:t>
             </a:r>
             <a:r>
-              <a:rPr lang="zh-CN" altLang="en-US" dirty="0" smtClean="0"/>
-              <a:t> </a:t>
-            </a:r>
-            <a:r>
-              <a:rPr lang="en-US" altLang="zh-CN" dirty="0" smtClean="0"/>
+              <a:rPr lang="zh-CN" altLang="en-US" dirty="0"/>
+              <a:t> </a:t>
+            </a:r>
+            <a:r>
+              <a:rPr lang="en-US" altLang="zh-CN" dirty="0"/>
               <a:t>speed</a:t>
             </a:r>
             <a:r>
-              <a:rPr lang="zh-CN" altLang="en-US" dirty="0" smtClean="0"/>
-              <a:t> </a:t>
-            </a:r>
-            <a:r>
-              <a:rPr lang="en-US" altLang="zh-CN" dirty="0" smtClean="0"/>
+              <a:rPr lang="zh-CN" altLang="en-US" dirty="0"/>
+              <a:t> </a:t>
+            </a:r>
+            <a:r>
+              <a:rPr lang="en-US" altLang="zh-CN" dirty="0"/>
               <a:t>up</a:t>
             </a:r>
             <a:r>
-              <a:rPr lang="zh-CN" altLang="en-US" dirty="0" smtClean="0"/>
-              <a:t> </a:t>
-            </a:r>
-            <a:r>
-              <a:rPr lang="en-US" altLang="zh-CN" dirty="0" smtClean="0"/>
+              <a:rPr lang="zh-CN" altLang="en-US" dirty="0"/>
+              <a:t> </a:t>
+            </a:r>
+            <a:r>
+              <a:rPr lang="en-US" altLang="zh-CN" dirty="0"/>
               <a:t>this</a:t>
             </a:r>
             <a:r>
-              <a:rPr lang="zh-CN" altLang="en-US" dirty="0" smtClean="0"/>
-              <a:t> </a:t>
-            </a:r>
-            <a:r>
-              <a:rPr lang="en-US" altLang="zh-CN" dirty="0" smtClean="0"/>
+              <a:rPr lang="zh-CN" altLang="en-US" dirty="0"/>
+              <a:t> </a:t>
+            </a:r>
+            <a:r>
+              <a:rPr lang="en-US" altLang="zh-CN" dirty="0"/>
               <a:t>SQL</a:t>
             </a:r>
             <a:r>
-              <a:rPr lang="zh-CN" altLang="en-US" dirty="0" smtClean="0"/>
-              <a:t> </a:t>
-            </a:r>
-            <a:r>
-              <a:rPr lang="en-US" altLang="zh-CN" dirty="0" smtClean="0"/>
+              <a:rPr lang="zh-CN" altLang="en-US" dirty="0"/>
+              <a:t> </a:t>
+            </a:r>
+            <a:r>
+              <a:rPr lang="en-US" altLang="zh-CN" dirty="0"/>
               <a:t>query:</a:t>
             </a:r>
             <a:r>
-              <a:rPr lang="zh-CN" altLang="en-US" dirty="0" smtClean="0"/>
-              <a:t> </a:t>
-            </a:r>
-            <a:r>
-              <a:rPr lang="en-US" altLang="zh-CN" dirty="0" smtClean="0">
+              <a:rPr lang="zh-CN" altLang="en-US" dirty="0"/>
+              <a:t> </a:t>
+            </a:r>
+            <a:r>
+              <a:rPr lang="en-US" altLang="zh-CN" dirty="0">
                 <a:latin typeface="Times New Roman" charset="0"/>
                 <a:ea typeface="Times New Roman" charset="0"/>
                 <a:cs typeface="Times New Roman" charset="0"/>
@@ -7728,7 +7963,7 @@
               <a:t>SELECT</a:t>
             </a:r>
             <a:r>
-              <a:rPr lang="zh-CN" altLang="en-US" dirty="0" smtClean="0">
+              <a:rPr lang="zh-CN" altLang="en-US" dirty="0">
                 <a:latin typeface="Times New Roman" charset="0"/>
                 <a:ea typeface="Times New Roman" charset="0"/>
                 <a:cs typeface="Times New Roman" charset="0"/>
@@ -7736,7 +7971,7 @@
               <a:t> * </a:t>
             </a:r>
             <a:r>
-              <a:rPr lang="en-US" altLang="zh-CN" dirty="0" smtClean="0">
+              <a:rPr lang="en-US" altLang="zh-CN" dirty="0">
                 <a:latin typeface="Times New Roman" charset="0"/>
                 <a:ea typeface="Times New Roman" charset="0"/>
                 <a:cs typeface="Times New Roman" charset="0"/>
@@ -7744,7 +7979,7 @@
               <a:t>FROM</a:t>
             </a:r>
             <a:r>
-              <a:rPr lang="zh-CN" altLang="en-US" dirty="0" smtClean="0">
+              <a:rPr lang="zh-CN" altLang="en-US" dirty="0">
                 <a:latin typeface="Times New Roman" charset="0"/>
                 <a:ea typeface="Times New Roman" charset="0"/>
                 <a:cs typeface="Times New Roman" charset="0"/>
@@ -7752,7 +7987,7 @@
               <a:t> </a:t>
             </a:r>
             <a:r>
-              <a:rPr lang="en-US" altLang="zh-CN" dirty="0" smtClean="0">
+              <a:rPr lang="en-US" altLang="zh-CN" dirty="0">
                 <a:latin typeface="Times New Roman" charset="0"/>
                 <a:ea typeface="Times New Roman" charset="0"/>
                 <a:cs typeface="Times New Roman" charset="0"/>
@@ -7760,75 +7995,75 @@
               <a:t>Student</a:t>
             </a:r>
             <a:r>
-              <a:rPr lang="zh-CN" altLang="en-US" dirty="0" smtClean="0"/>
-              <a:t> </a:t>
-            </a:r>
-            <a:r>
-              <a:rPr lang="en-US" altLang="zh-CN" dirty="0" smtClean="0"/>
+              <a:rPr lang="zh-CN" altLang="en-US" dirty="0"/>
+              <a:t> </a:t>
+            </a:r>
+            <a:r>
+              <a:rPr lang="en-US" altLang="zh-CN" dirty="0"/>
               <a:t>WHERE</a:t>
             </a:r>
             <a:r>
-              <a:rPr lang="zh-CN" altLang="en-US" dirty="0" smtClean="0"/>
-              <a:t> </a:t>
-            </a:r>
-            <a:r>
-              <a:rPr lang="en-US" altLang="zh-CN" dirty="0" smtClean="0"/>
+              <a:rPr lang="zh-CN" altLang="en-US" dirty="0"/>
+              <a:t> </a:t>
+            </a:r>
+            <a:r>
+              <a:rPr lang="en-US" altLang="zh-CN" dirty="0"/>
               <a:t>id</a:t>
             </a:r>
             <a:r>
-              <a:rPr lang="zh-CN" altLang="en-US" dirty="0" smtClean="0"/>
-              <a:t> </a:t>
-            </a:r>
-            <a:r>
-              <a:rPr lang="en-US" altLang="zh-CN" dirty="0" smtClean="0"/>
+              <a:rPr lang="zh-CN" altLang="en-US" dirty="0"/>
+              <a:t> </a:t>
+            </a:r>
+            <a:r>
+              <a:rPr lang="en-US" altLang="zh-CN" dirty="0"/>
               <a:t>=</a:t>
             </a:r>
             <a:r>
-              <a:rPr lang="zh-CN" altLang="en-US" dirty="0" smtClean="0"/>
-              <a:t> </a:t>
-            </a:r>
-            <a:r>
-              <a:rPr lang="en-US" altLang="zh-CN" dirty="0" smtClean="0"/>
+              <a:rPr lang="zh-CN" altLang="en-US" dirty="0"/>
+              <a:t> </a:t>
+            </a:r>
+            <a:r>
+              <a:rPr lang="en-US" altLang="zh-CN" dirty="0"/>
               <a:t>?</a:t>
             </a:r>
-            <a:endParaRPr lang="en-US" dirty="0" smtClean="0"/>
+            <a:endParaRPr lang="en-US" dirty="0"/>
           </a:p>
           <a:p>
             <a:pPr lvl="2"/>
             <a:r>
-              <a:rPr lang="en-US" altLang="zh-CN" dirty="0" smtClean="0"/>
+              <a:rPr lang="en-US" altLang="zh-CN" dirty="0"/>
               <a:t>Index</a:t>
             </a:r>
             <a:r>
-              <a:rPr lang="zh-CN" altLang="en-US" dirty="0" smtClean="0"/>
-              <a:t> </a:t>
-            </a:r>
-            <a:r>
-              <a:rPr lang="en-US" altLang="zh-CN" dirty="0" smtClean="0"/>
+              <a:rPr lang="zh-CN" altLang="en-US" dirty="0"/>
+              <a:t> </a:t>
+            </a:r>
+            <a:r>
+              <a:rPr lang="en-US" altLang="zh-CN" dirty="0"/>
               <a:t>on</a:t>
             </a:r>
             <a:r>
-              <a:rPr lang="zh-CN" altLang="en-US" dirty="0" smtClean="0"/>
-              <a:t> </a:t>
-            </a:r>
-            <a:r>
-              <a:rPr lang="en-US" altLang="zh-CN" dirty="0" smtClean="0"/>
+              <a:rPr lang="zh-CN" altLang="en-US" dirty="0"/>
+              <a:t> </a:t>
+            </a:r>
+            <a:r>
+              <a:rPr lang="en-US" altLang="zh-CN" dirty="0"/>
               <a:t>Student(id)</a:t>
             </a:r>
             <a:r>
-              <a:rPr lang="zh-CN" altLang="en-US" dirty="0" smtClean="0"/>
+              <a:rPr lang="zh-CN" altLang="en-US" dirty="0"/>
               <a:t>                </a:t>
             </a:r>
             <a:r>
-              <a:rPr lang="en-US" altLang="zh-CN" dirty="0" smtClean="0"/>
+              <a:rPr lang="en-US" altLang="zh-CN" dirty="0"/>
               <a:t>YES</a:t>
             </a:r>
             <a:r>
-              <a:rPr lang="zh-CN" altLang="en-US" dirty="0" smtClean="0"/>
+              <a:rPr lang="zh-CN" altLang="en-US" dirty="0"/>
               <a:t>    </a:t>
             </a:r>
             <a:r>
-              <a:rPr lang="en-US" altLang="zh-CN" dirty="0" smtClean="0"/>
+              <a:rPr lang="en-US" altLang="zh-CN" dirty="0"/>
               <a:t>NO</a:t>
             </a:r>
           </a:p>
@@ -8347,7 +8582,7 @@
           <a:lstStyle/>
           <a:p>
             <a:r>
-              <a:rPr lang="en-US" altLang="zh-CN" dirty="0" smtClean="0"/>
+              <a:rPr lang="en-US" altLang="zh-CN" dirty="0"/>
               <a:t>Notes</a:t>
             </a:r>
             <a:endParaRPr lang="en-US" dirty="0"/>
@@ -8370,78 +8605,77 @@
           <a:lstStyle/>
           <a:p>
             <a:r>
-              <a:rPr lang="en-US" altLang="zh-CN" dirty="0" smtClean="0"/>
+              <a:rPr lang="en-US" altLang="zh-CN" dirty="0"/>
               <a:t>Midterm</a:t>
             </a:r>
+          </a:p>
+          <a:p>
+            <a:pPr lvl="1"/>
+            <a:r>
+              <a:rPr lang="en-US" altLang="zh-CN" dirty="0"/>
+              <a:t>Thursday</a:t>
+            </a:r>
+            <a:r>
+              <a:rPr lang="zh-CN" altLang="en-US" dirty="0"/>
+              <a:t> </a:t>
+            </a:r>
+            <a:r>
+              <a:rPr lang="en-US" altLang="zh-CN" dirty="0"/>
+              <a:t>2:30</a:t>
+            </a:r>
+            <a:r>
+              <a:rPr lang="zh-CN" altLang="en-US" dirty="0"/>
+              <a:t> </a:t>
+            </a:r>
+            <a:r>
+              <a:rPr lang="mr-IN" altLang="zh-CN" dirty="0"/>
+              <a:t>–</a:t>
+            </a:r>
+            <a:r>
+              <a:rPr lang="zh-CN" altLang="en-US" dirty="0"/>
+              <a:t> </a:t>
+            </a:r>
+            <a:r>
+              <a:rPr lang="en-US" altLang="zh-CN" dirty="0"/>
+              <a:t>3:20</a:t>
+            </a:r>
+            <a:r>
+              <a:rPr lang="zh-CN" altLang="en-US" dirty="0"/>
+              <a:t> </a:t>
+            </a:r>
+            <a:r>
+              <a:rPr lang="en-US" altLang="zh-CN" dirty="0"/>
+              <a:t>pm</a:t>
+            </a:r>
+          </a:p>
+          <a:p>
+            <a:pPr lvl="1"/>
+            <a:r>
+              <a:rPr lang="cs-CZ" altLang="zh-CN" dirty="0"/>
+              <a:t>AQ3149</a:t>
+            </a:r>
             <a:endParaRPr lang="en-US" altLang="zh-CN" dirty="0"/>
           </a:p>
           <a:p>
             <a:pPr lvl="1"/>
             <a:r>
-              <a:rPr lang="en-US" altLang="zh-CN" dirty="0" smtClean="0"/>
-              <a:t>Thursday</a:t>
-            </a:r>
-            <a:r>
-              <a:rPr lang="zh-CN" altLang="en-US" dirty="0" smtClean="0"/>
-              <a:t> </a:t>
-            </a:r>
-            <a:r>
-              <a:rPr lang="en-US" altLang="zh-CN" dirty="0" smtClean="0"/>
-              <a:t>2:30</a:t>
-            </a:r>
-            <a:r>
-              <a:rPr lang="zh-CN" altLang="en-US" dirty="0" smtClean="0"/>
-              <a:t> </a:t>
-            </a:r>
-            <a:r>
-              <a:rPr lang="mr-IN" altLang="zh-CN" dirty="0" smtClean="0"/>
-              <a:t>–</a:t>
-            </a:r>
-            <a:r>
-              <a:rPr lang="zh-CN" altLang="en-US" dirty="0" smtClean="0"/>
-              <a:t> </a:t>
-            </a:r>
-            <a:r>
-              <a:rPr lang="en-US" altLang="zh-CN" dirty="0" smtClean="0"/>
-              <a:t>3:20</a:t>
-            </a:r>
-            <a:r>
-              <a:rPr lang="zh-CN" altLang="en-US" dirty="0" smtClean="0"/>
-              <a:t> </a:t>
-            </a:r>
-            <a:r>
-              <a:rPr lang="en-US" altLang="zh-CN" dirty="0" smtClean="0"/>
-              <a:t>pm</a:t>
-            </a:r>
-          </a:p>
-          <a:p>
-            <a:pPr lvl="1"/>
-            <a:r>
-              <a:rPr lang="cs-CZ" altLang="zh-CN" dirty="0" smtClean="0"/>
-              <a:t>AQ3149</a:t>
-            </a:r>
-            <a:endParaRPr lang="en-US" altLang="zh-CN" dirty="0" smtClean="0"/>
-          </a:p>
-          <a:p>
-            <a:pPr lvl="1"/>
-            <a:r>
-              <a:rPr lang="en-US" altLang="zh-CN" dirty="0" smtClean="0"/>
+              <a:rPr lang="en-US" altLang="zh-CN" dirty="0"/>
               <a:t>Don’t</a:t>
             </a:r>
             <a:r>
-              <a:rPr lang="zh-CN" altLang="en-US" dirty="0" smtClean="0"/>
-              <a:t> </a:t>
-            </a:r>
-            <a:r>
-              <a:rPr lang="en-US" altLang="zh-CN" dirty="0" smtClean="0"/>
+              <a:rPr lang="zh-CN" altLang="en-US" dirty="0"/>
+              <a:t> </a:t>
+            </a:r>
+            <a:r>
+              <a:rPr lang="en-US" altLang="zh-CN" dirty="0"/>
               <a:t>be</a:t>
             </a:r>
             <a:r>
-              <a:rPr lang="zh-CN" altLang="en-US" dirty="0" smtClean="0"/>
-              <a:t> </a:t>
-            </a:r>
-            <a:r>
-              <a:rPr lang="en-US" altLang="zh-CN" dirty="0" smtClean="0"/>
+              <a:rPr lang="zh-CN" altLang="en-US" dirty="0"/>
+              <a:t> </a:t>
+            </a:r>
+            <a:r>
+              <a:rPr lang="en-US" altLang="zh-CN" dirty="0"/>
               <a:t>late</a:t>
             </a:r>
           </a:p>
@@ -8503,18 +8737,18 @@
               <a:t> </a:t>
             </a:r>
             <a:r>
-              <a:rPr lang="en-US" altLang="zh-CN" b="1" dirty="0" smtClean="0">
+              <a:rPr lang="en-US" altLang="zh-CN" b="1" dirty="0">
                 <a:solidFill>
                   <a:srgbClr val="FF0000"/>
                 </a:solidFill>
               </a:rPr>
               <a:t>IDs</a:t>
             </a:r>
-            <a:endParaRPr lang="en-US" altLang="zh-CN" dirty="0" smtClean="0"/>
-          </a:p>
-          <a:p>
-            <a:r>
-              <a:rPr lang="en-US" altLang="zh-CN" dirty="0" smtClean="0"/>
+            <a:endParaRPr lang="en-US" altLang="zh-CN" dirty="0"/>
+          </a:p>
+          <a:p>
+            <a:r>
+              <a:rPr lang="en-US" altLang="zh-CN" dirty="0"/>
               <a:t>Please </a:t>
             </a:r>
             <a:r>
@@ -8527,16 +8761,12 @@
             </a:r>
             <a:r>
               <a:rPr lang="en-US" altLang="zh-CN" dirty="0"/>
-              <a:t>so you get to all </a:t>
-            </a:r>
-            <a:r>
-              <a:rPr lang="en-US" altLang="zh-CN" dirty="0" smtClean="0"/>
-              <a:t>questions</a:t>
-            </a:r>
-          </a:p>
-          <a:p>
-            <a:r>
-              <a:rPr lang="en-US" altLang="zh-CN" b="1" dirty="0" smtClean="0">
+              <a:t>so you get to all questions</a:t>
+            </a:r>
+          </a:p>
+          <a:p>
+            <a:r>
+              <a:rPr lang="en-US" altLang="zh-CN" b="1" dirty="0">
                 <a:solidFill>
                   <a:srgbClr val="FF0000"/>
                 </a:solidFill>
@@ -8544,47 +8774,47 @@
               <a:t>Relax</a:t>
             </a:r>
             <a:r>
-              <a:rPr lang="en-US" altLang="zh-CN" dirty="0" smtClean="0"/>
+              <a:rPr lang="en-US" altLang="zh-CN" dirty="0"/>
               <a:t>.</a:t>
             </a:r>
             <a:r>
-              <a:rPr lang="zh-CN" altLang="en-US" dirty="0" smtClean="0"/>
-              <a:t> </a:t>
-            </a:r>
-            <a:r>
-              <a:rPr lang="en-US" altLang="zh-CN" dirty="0" smtClean="0"/>
+              <a:rPr lang="zh-CN" altLang="en-US" dirty="0"/>
+              <a:t> </a:t>
+            </a:r>
+            <a:r>
+              <a:rPr lang="en-US" altLang="zh-CN" dirty="0"/>
               <a:t>You</a:t>
             </a:r>
             <a:r>
-              <a:rPr lang="zh-CN" altLang="en-US" dirty="0" smtClean="0"/>
-              <a:t> </a:t>
-            </a:r>
-            <a:r>
-              <a:rPr lang="en-US" altLang="zh-CN" dirty="0" smtClean="0"/>
+              <a:rPr lang="zh-CN" altLang="en-US" dirty="0"/>
+              <a:t> </a:t>
+            </a:r>
+            <a:r>
+              <a:rPr lang="en-US" altLang="zh-CN" dirty="0"/>
               <a:t>are</a:t>
             </a:r>
             <a:r>
-              <a:rPr lang="zh-CN" altLang="en-US" dirty="0" smtClean="0"/>
-              <a:t> </a:t>
-            </a:r>
-            <a:r>
-              <a:rPr lang="en-US" altLang="zh-CN" dirty="0" smtClean="0"/>
+              <a:rPr lang="zh-CN" altLang="en-US" dirty="0"/>
+              <a:t> </a:t>
+            </a:r>
+            <a:r>
+              <a:rPr lang="en-US" altLang="zh-CN" dirty="0"/>
               <a:t>here</a:t>
             </a:r>
             <a:r>
-              <a:rPr lang="zh-CN" altLang="en-US" dirty="0" smtClean="0"/>
-              <a:t> </a:t>
-            </a:r>
-            <a:r>
-              <a:rPr lang="en-US" altLang="zh-CN" dirty="0" smtClean="0"/>
+              <a:rPr lang="zh-CN" altLang="en-US" dirty="0"/>
+              <a:t> </a:t>
+            </a:r>
+            <a:r>
+              <a:rPr lang="en-US" altLang="zh-CN" dirty="0"/>
               <a:t>to</a:t>
             </a:r>
             <a:r>
-              <a:rPr lang="zh-CN" altLang="en-US" dirty="0" smtClean="0"/>
-              <a:t> </a:t>
-            </a:r>
-            <a:r>
-              <a:rPr lang="en-US" altLang="zh-CN" dirty="0" smtClean="0"/>
+              <a:rPr lang="zh-CN" altLang="en-US" dirty="0"/>
+              <a:t> </a:t>
+            </a:r>
+            <a:r>
+              <a:rPr lang="en-US" altLang="zh-CN" dirty="0"/>
               <a:t>learn</a:t>
             </a:r>
             <a:endParaRPr lang="en-US" dirty="0"/>
